--- a/documents/milestone2/Project Analysis Presentation.pptx
+++ b/documents/milestone2/Project Analysis Presentation.pptx
@@ -5,13 +5,17 @@
     <p:sldMasterId id="2147483708" r:id="rId1"/>
   </p:sldMasterIdLst>
   <p:notesMasterIdLst>
-    <p:notesMasterId r:id="rId6"/>
+    <p:notesMasterId r:id="rId10"/>
   </p:notesMasterIdLst>
   <p:sldIdLst>
     <p:sldId id="256" r:id="rId2"/>
     <p:sldId id="258" r:id="rId3"/>
-    <p:sldId id="259" r:id="rId4"/>
-    <p:sldId id="261" r:id="rId5"/>
+    <p:sldId id="262" r:id="rId4"/>
+    <p:sldId id="263" r:id="rId5"/>
+    <p:sldId id="264" r:id="rId6"/>
+    <p:sldId id="265" r:id="rId7"/>
+    <p:sldId id="259" r:id="rId8"/>
+    <p:sldId id="261" r:id="rId9"/>
   </p:sldIdLst>
   <p:sldSz cx="12192000" cy="6858000"/>
   <p:notesSz cx="6858000" cy="9144000"/>
@@ -3810,7 +3814,7 @@
           <p:cNvPr id="5" name="Grafik 4">
             <a:extLst>
               <a:ext uri="{FF2B5EF4-FFF2-40B4-BE49-F238E27FC236}">
-                <a16:creationId xmlns:a16="http://schemas.microsoft.com/office/drawing/2014/main" xmlns="" id="{3CCF4D3B-7A0F-4753-9950-8C3AFE3346D9}"/>
+                <a16:creationId xmlns="" xmlns:a16="http://schemas.microsoft.com/office/drawing/2014/main" id="{3CCF4D3B-7A0F-4753-9950-8C3AFE3346D9}"/>
               </a:ext>
             </a:extLst>
           </p:cNvPr>
@@ -3860,10 +3864,6 @@
               <a:rPr lang="de-CH" dirty="0" smtClean="0"/>
               <a:t>Tower </a:t>
             </a:r>
-            <a:r>
-              <a:rPr lang="de-CH" dirty="0" smtClean="0"/>
-              <a:t/>
-            </a:r>
             <a:br>
               <a:rPr lang="de-CH" dirty="0" smtClean="0"/>
             </a:br>
@@ -3880,11 +3880,7 @@
             </a:r>
             <a:r>
               <a:rPr lang="de-CH" sz="2000" dirty="0" smtClean="0"/>
-              <a:t>Group </a:t>
-            </a:r>
-            <a:r>
-              <a:rPr lang="de-CH" sz="2000" dirty="0" smtClean="0"/>
-              <a:t>5</a:t>
+              <a:t>Group 5</a:t>
             </a:r>
             <a:endParaRPr lang="de-CH" dirty="0"/>
           </a:p>
@@ -4029,7 +4025,6 @@
               <a:rPr lang="en-US" dirty="0" smtClean="0"/>
               <a:t>Effective time expenditures so far within expected ranges</a:t>
             </a:r>
-            <a:endParaRPr lang="en-US" dirty="0" smtClean="0"/>
           </a:p>
           <a:p>
             <a:r>
@@ -4378,12 +4373,2214 @@
           <a:chExt cx="0" cy="0"/>
         </a:xfrm>
       </p:grpSpPr>
+      <p:sp>
+        <p:nvSpPr>
+          <p:cNvPr id="2" name="Title 1"/>
+          <p:cNvSpPr>
+            <a:spLocks noGrp="1"/>
+          </p:cNvSpPr>
+          <p:nvPr>
+            <p:ph type="title"/>
+          </p:nvPr>
+        </p:nvSpPr>
+        <p:spPr/>
+        <p:txBody>
+          <a:bodyPr/>
+          <a:lstStyle/>
+          <a:p>
+            <a:r>
+              <a:rPr lang="en-US" dirty="0" smtClean="0"/>
+              <a:t>Use Cases</a:t>
+            </a:r>
+            <a:endParaRPr lang="en-US" dirty="0"/>
+          </a:p>
+        </p:txBody>
+      </p:sp>
+      <p:pic>
+        <p:nvPicPr>
+          <p:cNvPr id="5" name="Picture 4" descr="Use%20Case%20Modell/Use%20Case%20Diagram.png"/>
+          <p:cNvPicPr/>
+          <p:nvPr/>
+        </p:nvPicPr>
+        <p:blipFill>
+          <a:blip r:embed="rId2">
+            <a:extLst>
+              <a:ext uri="{28A0092B-C50C-407E-A947-70E740481C1C}">
+                <a14:useLocalDpi xmlns:a14="http://schemas.microsoft.com/office/drawing/2010/main" val="0"/>
+              </a:ext>
+            </a:extLst>
+          </a:blip>
+          <a:srcRect/>
+          <a:stretch>
+            <a:fillRect/>
+          </a:stretch>
+        </p:blipFill>
+        <p:spPr bwMode="auto">
+          <a:xfrm>
+            <a:off x="5559552" y="1646713"/>
+            <a:ext cx="5153126" cy="4715510"/>
+          </a:xfrm>
+          <a:prstGeom prst="rect">
+            <a:avLst/>
+          </a:prstGeom>
+          <a:noFill/>
+          <a:ln>
+            <a:noFill/>
+          </a:ln>
+        </p:spPr>
+      </p:pic>
+      <p:sp>
+        <p:nvSpPr>
+          <p:cNvPr id="6" name="Content Placeholder 5"/>
+          <p:cNvSpPr>
+            <a:spLocks noGrp="1"/>
+          </p:cNvSpPr>
+          <p:nvPr>
+            <p:ph idx="1"/>
+          </p:nvPr>
+        </p:nvSpPr>
+        <p:spPr/>
+        <p:txBody>
+          <a:bodyPr/>
+          <a:lstStyle/>
+          <a:p>
+            <a:r>
+              <a:rPr lang="en-US" dirty="0" smtClean="0"/>
+              <a:t>UC 1		Play Game</a:t>
+            </a:r>
+          </a:p>
+          <a:p>
+            <a:pPr lvl="1"/>
+            <a:r>
+              <a:rPr lang="en-US" dirty="0" smtClean="0"/>
+              <a:t>UC 1.1 	Place Tower</a:t>
+            </a:r>
+          </a:p>
+          <a:p>
+            <a:pPr lvl="1"/>
+            <a:r>
+              <a:rPr lang="en-US" dirty="0" smtClean="0"/>
+              <a:t>UC 1.2	Upgrade Tower</a:t>
+            </a:r>
+          </a:p>
+          <a:p>
+            <a:pPr lvl="1"/>
+            <a:r>
+              <a:rPr lang="en-US" dirty="0" smtClean="0"/>
+              <a:t>UC 1.3	Tear Down Tower</a:t>
+            </a:r>
+          </a:p>
+          <a:p>
+            <a:pPr lvl="1"/>
+            <a:r>
+              <a:rPr lang="en-US" dirty="0" smtClean="0"/>
+              <a:t>UC 1.4	Call Next Wave</a:t>
+            </a:r>
+          </a:p>
+          <a:p>
+            <a:pPr lvl="1"/>
+            <a:r>
+              <a:rPr lang="en-US" dirty="0" smtClean="0"/>
+              <a:t>UC 1.5	Pause Game</a:t>
+            </a:r>
+          </a:p>
+          <a:p>
+            <a:pPr lvl="1"/>
+            <a:r>
+              <a:rPr lang="en-US" dirty="0" smtClean="0"/>
+              <a:t>UC 1.6	</a:t>
+            </a:r>
+            <a:r>
+              <a:rPr lang="en-US" dirty="0" err="1" smtClean="0"/>
+              <a:t>Unpause</a:t>
+            </a:r>
+            <a:r>
+              <a:rPr lang="en-US" dirty="0" smtClean="0"/>
+              <a:t> Game</a:t>
+            </a:r>
+          </a:p>
+          <a:p>
+            <a:r>
+              <a:rPr lang="en-US" dirty="0" smtClean="0"/>
+              <a:t>UC 2		Create Map</a:t>
+            </a:r>
+          </a:p>
+          <a:p>
+            <a:r>
+              <a:rPr lang="en-US" dirty="0" smtClean="0"/>
+              <a:t>UC 3		Edit Map</a:t>
+            </a:r>
+          </a:p>
+          <a:p>
+            <a:r>
+              <a:rPr lang="en-US" dirty="0" smtClean="0"/>
+              <a:t>UC 4		Import Map</a:t>
+            </a:r>
+          </a:p>
+          <a:p>
+            <a:r>
+              <a:rPr lang="en-US" dirty="0" smtClean="0"/>
+              <a:t>UC 5		Export Map</a:t>
+            </a:r>
+            <a:endParaRPr lang="en-US" dirty="0"/>
+          </a:p>
+        </p:txBody>
+      </p:sp>
+    </p:spTree>
+    <p:extLst>
+      <p:ext uri="{BB962C8B-B14F-4D97-AF65-F5344CB8AC3E}">
+        <p14:creationId xmlns:p14="http://schemas.microsoft.com/office/powerpoint/2010/main" val="314642450"/>
+      </p:ext>
+    </p:extLst>
+  </p:cSld>
+  <p:clrMapOvr>
+    <a:masterClrMapping/>
+  </p:clrMapOvr>
+  <p:timing>
+    <p:tnLst>
+      <p:par>
+        <p:cTn id="1" dur="indefinite" restart="never" nodeType="tmRoot">
+          <p:childTnLst>
+            <p:seq concurrent="1" nextAc="seek">
+              <p:cTn id="2" dur="indefinite" nodeType="mainSeq">
+                <p:childTnLst>
+                  <p:par>
+                    <p:cTn id="3" fill="hold">
+                      <p:stCondLst>
+                        <p:cond delay="indefinite"/>
+                      </p:stCondLst>
+                      <p:childTnLst>
+                        <p:par>
+                          <p:cTn id="4" fill="hold">
+                            <p:stCondLst>
+                              <p:cond delay="0"/>
+                            </p:stCondLst>
+                            <p:childTnLst>
+                              <p:par>
+                                <p:cTn id="5" presetID="1" presetClass="entr" presetSubtype="0" fill="hold" nodeType="clickEffect">
+                                  <p:stCondLst>
+                                    <p:cond delay="0"/>
+                                  </p:stCondLst>
+                                  <p:childTnLst>
+                                    <p:set>
+                                      <p:cBhvr>
+                                        <p:cTn id="6" dur="1" fill="hold">
+                                          <p:stCondLst>
+                                            <p:cond delay="0"/>
+                                          </p:stCondLst>
+                                        </p:cTn>
+                                        <p:tgtEl>
+                                          <p:spTgt spid="5"/>
+                                        </p:tgtEl>
+                                        <p:attrNameLst>
+                                          <p:attrName>style.visibility</p:attrName>
+                                        </p:attrNameLst>
+                                      </p:cBhvr>
+                                      <p:to>
+                                        <p:strVal val="visible"/>
+                                      </p:to>
+                                    </p:set>
+                                  </p:childTnLst>
+                                </p:cTn>
+                              </p:par>
+                            </p:childTnLst>
+                          </p:cTn>
+                        </p:par>
+                      </p:childTnLst>
+                    </p:cTn>
+                  </p:par>
+                  <p:par>
+                    <p:cTn id="7" fill="hold">
+                      <p:stCondLst>
+                        <p:cond delay="indefinite"/>
+                      </p:stCondLst>
+                      <p:childTnLst>
+                        <p:par>
+                          <p:cTn id="8" fill="hold">
+                            <p:stCondLst>
+                              <p:cond delay="0"/>
+                            </p:stCondLst>
+                            <p:childTnLst>
+                              <p:par>
+                                <p:cTn id="9" presetID="1" presetClass="entr" presetSubtype="0" fill="hold" nodeType="clickEffect">
+                                  <p:stCondLst>
+                                    <p:cond delay="0"/>
+                                  </p:stCondLst>
+                                  <p:childTnLst>
+                                    <p:set>
+                                      <p:cBhvr>
+                                        <p:cTn id="10" dur="1" fill="hold">
+                                          <p:stCondLst>
+                                            <p:cond delay="0"/>
+                                          </p:stCondLst>
+                                        </p:cTn>
+                                        <p:tgtEl>
+                                          <p:spTgt spid="6">
+                                            <p:txEl>
+                                              <p:pRg st="0" end="0"/>
+                                            </p:txEl>
+                                          </p:spTgt>
+                                        </p:tgtEl>
+                                        <p:attrNameLst>
+                                          <p:attrName>style.visibility</p:attrName>
+                                        </p:attrNameLst>
+                                      </p:cBhvr>
+                                      <p:to>
+                                        <p:strVal val="visible"/>
+                                      </p:to>
+                                    </p:set>
+                                  </p:childTnLst>
+                                </p:cTn>
+                              </p:par>
+                              <p:par>
+                                <p:cTn id="11" presetID="1" presetClass="entr" presetSubtype="0" fill="hold" nodeType="withEffect">
+                                  <p:stCondLst>
+                                    <p:cond delay="0"/>
+                                  </p:stCondLst>
+                                  <p:childTnLst>
+                                    <p:set>
+                                      <p:cBhvr>
+                                        <p:cTn id="12" dur="1" fill="hold">
+                                          <p:stCondLst>
+                                            <p:cond delay="0"/>
+                                          </p:stCondLst>
+                                        </p:cTn>
+                                        <p:tgtEl>
+                                          <p:spTgt spid="6">
+                                            <p:txEl>
+                                              <p:pRg st="1" end="1"/>
+                                            </p:txEl>
+                                          </p:spTgt>
+                                        </p:tgtEl>
+                                        <p:attrNameLst>
+                                          <p:attrName>style.visibility</p:attrName>
+                                        </p:attrNameLst>
+                                      </p:cBhvr>
+                                      <p:to>
+                                        <p:strVal val="visible"/>
+                                      </p:to>
+                                    </p:set>
+                                  </p:childTnLst>
+                                </p:cTn>
+                              </p:par>
+                              <p:par>
+                                <p:cTn id="13" presetID="1" presetClass="entr" presetSubtype="0" fill="hold" nodeType="withEffect">
+                                  <p:stCondLst>
+                                    <p:cond delay="0"/>
+                                  </p:stCondLst>
+                                  <p:childTnLst>
+                                    <p:set>
+                                      <p:cBhvr>
+                                        <p:cTn id="14" dur="1" fill="hold">
+                                          <p:stCondLst>
+                                            <p:cond delay="0"/>
+                                          </p:stCondLst>
+                                        </p:cTn>
+                                        <p:tgtEl>
+                                          <p:spTgt spid="6">
+                                            <p:txEl>
+                                              <p:pRg st="2" end="2"/>
+                                            </p:txEl>
+                                          </p:spTgt>
+                                        </p:tgtEl>
+                                        <p:attrNameLst>
+                                          <p:attrName>style.visibility</p:attrName>
+                                        </p:attrNameLst>
+                                      </p:cBhvr>
+                                      <p:to>
+                                        <p:strVal val="visible"/>
+                                      </p:to>
+                                    </p:set>
+                                  </p:childTnLst>
+                                </p:cTn>
+                              </p:par>
+                              <p:par>
+                                <p:cTn id="15" presetID="1" presetClass="entr" presetSubtype="0" fill="hold" nodeType="withEffect">
+                                  <p:stCondLst>
+                                    <p:cond delay="0"/>
+                                  </p:stCondLst>
+                                  <p:childTnLst>
+                                    <p:set>
+                                      <p:cBhvr>
+                                        <p:cTn id="16" dur="1" fill="hold">
+                                          <p:stCondLst>
+                                            <p:cond delay="0"/>
+                                          </p:stCondLst>
+                                        </p:cTn>
+                                        <p:tgtEl>
+                                          <p:spTgt spid="6">
+                                            <p:txEl>
+                                              <p:pRg st="3" end="3"/>
+                                            </p:txEl>
+                                          </p:spTgt>
+                                        </p:tgtEl>
+                                        <p:attrNameLst>
+                                          <p:attrName>style.visibility</p:attrName>
+                                        </p:attrNameLst>
+                                      </p:cBhvr>
+                                      <p:to>
+                                        <p:strVal val="visible"/>
+                                      </p:to>
+                                    </p:set>
+                                  </p:childTnLst>
+                                </p:cTn>
+                              </p:par>
+                              <p:par>
+                                <p:cTn id="17" presetID="1" presetClass="entr" presetSubtype="0" fill="hold" nodeType="withEffect">
+                                  <p:stCondLst>
+                                    <p:cond delay="0"/>
+                                  </p:stCondLst>
+                                  <p:childTnLst>
+                                    <p:set>
+                                      <p:cBhvr>
+                                        <p:cTn id="18" dur="1" fill="hold">
+                                          <p:stCondLst>
+                                            <p:cond delay="0"/>
+                                          </p:stCondLst>
+                                        </p:cTn>
+                                        <p:tgtEl>
+                                          <p:spTgt spid="6">
+                                            <p:txEl>
+                                              <p:pRg st="4" end="4"/>
+                                            </p:txEl>
+                                          </p:spTgt>
+                                        </p:tgtEl>
+                                        <p:attrNameLst>
+                                          <p:attrName>style.visibility</p:attrName>
+                                        </p:attrNameLst>
+                                      </p:cBhvr>
+                                      <p:to>
+                                        <p:strVal val="visible"/>
+                                      </p:to>
+                                    </p:set>
+                                  </p:childTnLst>
+                                </p:cTn>
+                              </p:par>
+                              <p:par>
+                                <p:cTn id="19" presetID="1" presetClass="entr" presetSubtype="0" fill="hold" nodeType="withEffect">
+                                  <p:stCondLst>
+                                    <p:cond delay="0"/>
+                                  </p:stCondLst>
+                                  <p:childTnLst>
+                                    <p:set>
+                                      <p:cBhvr>
+                                        <p:cTn id="20" dur="1" fill="hold">
+                                          <p:stCondLst>
+                                            <p:cond delay="0"/>
+                                          </p:stCondLst>
+                                        </p:cTn>
+                                        <p:tgtEl>
+                                          <p:spTgt spid="6">
+                                            <p:txEl>
+                                              <p:pRg st="5" end="5"/>
+                                            </p:txEl>
+                                          </p:spTgt>
+                                        </p:tgtEl>
+                                        <p:attrNameLst>
+                                          <p:attrName>style.visibility</p:attrName>
+                                        </p:attrNameLst>
+                                      </p:cBhvr>
+                                      <p:to>
+                                        <p:strVal val="visible"/>
+                                      </p:to>
+                                    </p:set>
+                                  </p:childTnLst>
+                                </p:cTn>
+                              </p:par>
+                              <p:par>
+                                <p:cTn id="21" presetID="1" presetClass="entr" presetSubtype="0" fill="hold" nodeType="withEffect">
+                                  <p:stCondLst>
+                                    <p:cond delay="0"/>
+                                  </p:stCondLst>
+                                  <p:childTnLst>
+                                    <p:set>
+                                      <p:cBhvr>
+                                        <p:cTn id="22" dur="1" fill="hold">
+                                          <p:stCondLst>
+                                            <p:cond delay="0"/>
+                                          </p:stCondLst>
+                                        </p:cTn>
+                                        <p:tgtEl>
+                                          <p:spTgt spid="6">
+                                            <p:txEl>
+                                              <p:pRg st="6" end="6"/>
+                                            </p:txEl>
+                                          </p:spTgt>
+                                        </p:tgtEl>
+                                        <p:attrNameLst>
+                                          <p:attrName>style.visibility</p:attrName>
+                                        </p:attrNameLst>
+                                      </p:cBhvr>
+                                      <p:to>
+                                        <p:strVal val="visible"/>
+                                      </p:to>
+                                    </p:set>
+                                  </p:childTnLst>
+                                </p:cTn>
+                              </p:par>
+                            </p:childTnLst>
+                          </p:cTn>
+                        </p:par>
+                      </p:childTnLst>
+                    </p:cTn>
+                  </p:par>
+                  <p:par>
+                    <p:cTn id="23" fill="hold">
+                      <p:stCondLst>
+                        <p:cond delay="indefinite"/>
+                      </p:stCondLst>
+                      <p:childTnLst>
+                        <p:par>
+                          <p:cTn id="24" fill="hold">
+                            <p:stCondLst>
+                              <p:cond delay="0"/>
+                            </p:stCondLst>
+                            <p:childTnLst>
+                              <p:par>
+                                <p:cTn id="25" presetID="1" presetClass="entr" presetSubtype="0" fill="hold" nodeType="clickEffect">
+                                  <p:stCondLst>
+                                    <p:cond delay="0"/>
+                                  </p:stCondLst>
+                                  <p:childTnLst>
+                                    <p:set>
+                                      <p:cBhvr>
+                                        <p:cTn id="26" dur="1" fill="hold">
+                                          <p:stCondLst>
+                                            <p:cond delay="0"/>
+                                          </p:stCondLst>
+                                        </p:cTn>
+                                        <p:tgtEl>
+                                          <p:spTgt spid="6">
+                                            <p:txEl>
+                                              <p:pRg st="7" end="7"/>
+                                            </p:txEl>
+                                          </p:spTgt>
+                                        </p:tgtEl>
+                                        <p:attrNameLst>
+                                          <p:attrName>style.visibility</p:attrName>
+                                        </p:attrNameLst>
+                                      </p:cBhvr>
+                                      <p:to>
+                                        <p:strVal val="visible"/>
+                                      </p:to>
+                                    </p:set>
+                                  </p:childTnLst>
+                                </p:cTn>
+                              </p:par>
+                            </p:childTnLst>
+                          </p:cTn>
+                        </p:par>
+                      </p:childTnLst>
+                    </p:cTn>
+                  </p:par>
+                  <p:par>
+                    <p:cTn id="27" fill="hold">
+                      <p:stCondLst>
+                        <p:cond delay="indefinite"/>
+                      </p:stCondLst>
+                      <p:childTnLst>
+                        <p:par>
+                          <p:cTn id="28" fill="hold">
+                            <p:stCondLst>
+                              <p:cond delay="0"/>
+                            </p:stCondLst>
+                            <p:childTnLst>
+                              <p:par>
+                                <p:cTn id="29" presetID="1" presetClass="entr" presetSubtype="0" fill="hold" nodeType="clickEffect">
+                                  <p:stCondLst>
+                                    <p:cond delay="0"/>
+                                  </p:stCondLst>
+                                  <p:childTnLst>
+                                    <p:set>
+                                      <p:cBhvr>
+                                        <p:cTn id="30" dur="1" fill="hold">
+                                          <p:stCondLst>
+                                            <p:cond delay="0"/>
+                                          </p:stCondLst>
+                                        </p:cTn>
+                                        <p:tgtEl>
+                                          <p:spTgt spid="6">
+                                            <p:txEl>
+                                              <p:pRg st="8" end="8"/>
+                                            </p:txEl>
+                                          </p:spTgt>
+                                        </p:tgtEl>
+                                        <p:attrNameLst>
+                                          <p:attrName>style.visibility</p:attrName>
+                                        </p:attrNameLst>
+                                      </p:cBhvr>
+                                      <p:to>
+                                        <p:strVal val="visible"/>
+                                      </p:to>
+                                    </p:set>
+                                  </p:childTnLst>
+                                </p:cTn>
+                              </p:par>
+                            </p:childTnLst>
+                          </p:cTn>
+                        </p:par>
+                      </p:childTnLst>
+                    </p:cTn>
+                  </p:par>
+                  <p:par>
+                    <p:cTn id="31" fill="hold">
+                      <p:stCondLst>
+                        <p:cond delay="indefinite"/>
+                      </p:stCondLst>
+                      <p:childTnLst>
+                        <p:par>
+                          <p:cTn id="32" fill="hold">
+                            <p:stCondLst>
+                              <p:cond delay="0"/>
+                            </p:stCondLst>
+                            <p:childTnLst>
+                              <p:par>
+                                <p:cTn id="33" presetID="1" presetClass="entr" presetSubtype="0" fill="hold" nodeType="clickEffect">
+                                  <p:stCondLst>
+                                    <p:cond delay="0"/>
+                                  </p:stCondLst>
+                                  <p:childTnLst>
+                                    <p:set>
+                                      <p:cBhvr>
+                                        <p:cTn id="34" dur="1" fill="hold">
+                                          <p:stCondLst>
+                                            <p:cond delay="0"/>
+                                          </p:stCondLst>
+                                        </p:cTn>
+                                        <p:tgtEl>
+                                          <p:spTgt spid="6">
+                                            <p:txEl>
+                                              <p:pRg st="9" end="9"/>
+                                            </p:txEl>
+                                          </p:spTgt>
+                                        </p:tgtEl>
+                                        <p:attrNameLst>
+                                          <p:attrName>style.visibility</p:attrName>
+                                        </p:attrNameLst>
+                                      </p:cBhvr>
+                                      <p:to>
+                                        <p:strVal val="visible"/>
+                                      </p:to>
+                                    </p:set>
+                                  </p:childTnLst>
+                                </p:cTn>
+                              </p:par>
+                            </p:childTnLst>
+                          </p:cTn>
+                        </p:par>
+                      </p:childTnLst>
+                    </p:cTn>
+                  </p:par>
+                  <p:par>
+                    <p:cTn id="35" fill="hold">
+                      <p:stCondLst>
+                        <p:cond delay="indefinite"/>
+                      </p:stCondLst>
+                      <p:childTnLst>
+                        <p:par>
+                          <p:cTn id="36" fill="hold">
+                            <p:stCondLst>
+                              <p:cond delay="0"/>
+                            </p:stCondLst>
+                            <p:childTnLst>
+                              <p:par>
+                                <p:cTn id="37" presetID="1" presetClass="entr" presetSubtype="0" fill="hold" nodeType="clickEffect">
+                                  <p:stCondLst>
+                                    <p:cond delay="0"/>
+                                  </p:stCondLst>
+                                  <p:childTnLst>
+                                    <p:set>
+                                      <p:cBhvr>
+                                        <p:cTn id="38" dur="1" fill="hold">
+                                          <p:stCondLst>
+                                            <p:cond delay="0"/>
+                                          </p:stCondLst>
+                                        </p:cTn>
+                                        <p:tgtEl>
+                                          <p:spTgt spid="6">
+                                            <p:txEl>
+                                              <p:pRg st="10" end="10"/>
+                                            </p:txEl>
+                                          </p:spTgt>
+                                        </p:tgtEl>
+                                        <p:attrNameLst>
+                                          <p:attrName>style.visibility</p:attrName>
+                                        </p:attrNameLst>
+                                      </p:cBhvr>
+                                      <p:to>
+                                        <p:strVal val="visible"/>
+                                      </p:to>
+                                    </p:set>
+                                  </p:childTnLst>
+                                </p:cTn>
+                              </p:par>
+                            </p:childTnLst>
+                          </p:cTn>
+                        </p:par>
+                      </p:childTnLst>
+                    </p:cTn>
+                  </p:par>
+                </p:childTnLst>
+              </p:cTn>
+              <p:prevCondLst>
+                <p:cond evt="onPrev" delay="0">
+                  <p:tgtEl>
+                    <p:sldTgt/>
+                  </p:tgtEl>
+                </p:cond>
+              </p:prevCondLst>
+              <p:nextCondLst>
+                <p:cond evt="onNext" delay="0">
+                  <p:tgtEl>
+                    <p:sldTgt/>
+                  </p:tgtEl>
+                </p:cond>
+              </p:nextCondLst>
+            </p:seq>
+          </p:childTnLst>
+        </p:cTn>
+      </p:par>
+    </p:tnLst>
+  </p:timing>
+</p:sld>
+</file>
+
+<file path=ppt/slides/slide4.xml><?xml version="1.0" encoding="utf-8"?>
+<p:sld xmlns:a="http://schemas.openxmlformats.org/drawingml/2006/main" xmlns:r="http://schemas.openxmlformats.org/officeDocument/2006/relationships" xmlns:p="http://schemas.openxmlformats.org/presentationml/2006/main">
+  <p:cSld>
+    <p:spTree>
+      <p:nvGrpSpPr>
+        <p:cNvPr id="1" name=""/>
+        <p:cNvGrpSpPr/>
+        <p:nvPr/>
+      </p:nvGrpSpPr>
+      <p:grpSpPr>
+        <a:xfrm>
+          <a:off x="0" y="0"/>
+          <a:ext cx="0" cy="0"/>
+          <a:chOff x="0" y="0"/>
+          <a:chExt cx="0" cy="0"/>
+        </a:xfrm>
+      </p:grpSpPr>
+      <p:sp>
+        <p:nvSpPr>
+          <p:cNvPr id="2" name="Title 1"/>
+          <p:cNvSpPr>
+            <a:spLocks noGrp="1"/>
+          </p:cNvSpPr>
+          <p:nvPr>
+            <p:ph type="title"/>
+          </p:nvPr>
+        </p:nvSpPr>
+        <p:spPr/>
+        <p:txBody>
+          <a:bodyPr/>
+          <a:lstStyle/>
+          <a:p>
+            <a:r>
+              <a:rPr lang="en-US" dirty="0" smtClean="0"/>
+              <a:t>Domain Model</a:t>
+            </a:r>
+            <a:endParaRPr lang="en-US" dirty="0"/>
+          </a:p>
+        </p:txBody>
+      </p:sp>
+      <p:pic>
+        <p:nvPicPr>
+          <p:cNvPr id="4" name="Picture 3" descr="Domain%20Model/domain%20model.png"/>
+          <p:cNvPicPr/>
+          <p:nvPr/>
+        </p:nvPicPr>
+        <p:blipFill>
+          <a:blip r:embed="rId2">
+            <a:extLst>
+              <a:ext uri="{28A0092B-C50C-407E-A947-70E740481C1C}">
+                <a14:useLocalDpi xmlns:a14="http://schemas.microsoft.com/office/drawing/2010/main" val="0"/>
+              </a:ext>
+            </a:extLst>
+          </a:blip>
+          <a:srcRect/>
+          <a:stretch>
+            <a:fillRect/>
+          </a:stretch>
+        </p:blipFill>
+        <p:spPr bwMode="auto">
+          <a:xfrm>
+            <a:off x="5065712" y="1028541"/>
+            <a:ext cx="5718175" cy="5324475"/>
+          </a:xfrm>
+          <a:prstGeom prst="rect">
+            <a:avLst/>
+          </a:prstGeom>
+          <a:noFill/>
+          <a:ln>
+            <a:noFill/>
+          </a:ln>
+        </p:spPr>
+      </p:pic>
+      <p:sp>
+        <p:nvSpPr>
+          <p:cNvPr id="6" name="Content Placeholder 2"/>
+          <p:cNvSpPr>
+            <a:spLocks noGrp="1"/>
+          </p:cNvSpPr>
+          <p:nvPr>
+            <p:ph idx="1"/>
+          </p:nvPr>
+        </p:nvSpPr>
+        <p:spPr>
+          <a:xfrm>
+            <a:off x="1261872" y="1828800"/>
+            <a:ext cx="8595360" cy="4351337"/>
+          </a:xfrm>
+        </p:spPr>
+        <p:txBody>
+          <a:bodyPr/>
+          <a:lstStyle/>
+          <a:p>
+            <a:r>
+              <a:rPr lang="en-US" dirty="0" smtClean="0"/>
+              <a:t>Game</a:t>
+            </a:r>
+          </a:p>
+          <a:p>
+            <a:r>
+              <a:rPr lang="en-US" dirty="0" smtClean="0"/>
+              <a:t>Wave</a:t>
+            </a:r>
+          </a:p>
+          <a:p>
+            <a:r>
+              <a:rPr lang="en-US" dirty="0" smtClean="0"/>
+              <a:t>Player</a:t>
+            </a:r>
+          </a:p>
+          <a:p>
+            <a:r>
+              <a:rPr lang="en-US" dirty="0" smtClean="0"/>
+              <a:t>Map</a:t>
+            </a:r>
+            <a:endParaRPr lang="en-US" dirty="0"/>
+          </a:p>
+        </p:txBody>
+      </p:sp>
+    </p:spTree>
+    <p:extLst>
+      <p:ext uri="{BB962C8B-B14F-4D97-AF65-F5344CB8AC3E}">
+        <p14:creationId xmlns:p14="http://schemas.microsoft.com/office/powerpoint/2010/main" val="2015178292"/>
+      </p:ext>
+    </p:extLst>
+  </p:cSld>
+  <p:clrMapOvr>
+    <a:masterClrMapping/>
+  </p:clrMapOvr>
+  <p:timing>
+    <p:tnLst>
+      <p:par>
+        <p:cTn id="1" dur="indefinite" restart="never" nodeType="tmRoot">
+          <p:childTnLst>
+            <p:seq concurrent="1" nextAc="seek">
+              <p:cTn id="2" dur="indefinite" nodeType="mainSeq">
+                <p:childTnLst>
+                  <p:par>
+                    <p:cTn id="3" fill="hold">
+                      <p:stCondLst>
+                        <p:cond delay="indefinite"/>
+                      </p:stCondLst>
+                      <p:childTnLst>
+                        <p:par>
+                          <p:cTn id="4" fill="hold">
+                            <p:stCondLst>
+                              <p:cond delay="0"/>
+                            </p:stCondLst>
+                            <p:childTnLst>
+                              <p:par>
+                                <p:cTn id="5" presetID="1" presetClass="entr" presetSubtype="0" fill="hold" nodeType="clickEffect">
+                                  <p:stCondLst>
+                                    <p:cond delay="0"/>
+                                  </p:stCondLst>
+                                  <p:childTnLst>
+                                    <p:set>
+                                      <p:cBhvr>
+                                        <p:cTn id="6" dur="1" fill="hold">
+                                          <p:stCondLst>
+                                            <p:cond delay="0"/>
+                                          </p:stCondLst>
+                                        </p:cTn>
+                                        <p:tgtEl>
+                                          <p:spTgt spid="4"/>
+                                        </p:tgtEl>
+                                        <p:attrNameLst>
+                                          <p:attrName>style.visibility</p:attrName>
+                                        </p:attrNameLst>
+                                      </p:cBhvr>
+                                      <p:to>
+                                        <p:strVal val="visible"/>
+                                      </p:to>
+                                    </p:set>
+                                  </p:childTnLst>
+                                </p:cTn>
+                              </p:par>
+                            </p:childTnLst>
+                          </p:cTn>
+                        </p:par>
+                      </p:childTnLst>
+                    </p:cTn>
+                  </p:par>
+                  <p:par>
+                    <p:cTn id="7" fill="hold">
+                      <p:stCondLst>
+                        <p:cond delay="indefinite"/>
+                      </p:stCondLst>
+                      <p:childTnLst>
+                        <p:par>
+                          <p:cTn id="8" fill="hold">
+                            <p:stCondLst>
+                              <p:cond delay="0"/>
+                            </p:stCondLst>
+                            <p:childTnLst>
+                              <p:par>
+                                <p:cTn id="9" presetID="1" presetClass="entr" presetSubtype="0" fill="hold" nodeType="clickEffect">
+                                  <p:stCondLst>
+                                    <p:cond delay="0"/>
+                                  </p:stCondLst>
+                                  <p:childTnLst>
+                                    <p:set>
+                                      <p:cBhvr>
+                                        <p:cTn id="10" dur="1" fill="hold">
+                                          <p:stCondLst>
+                                            <p:cond delay="0"/>
+                                          </p:stCondLst>
+                                        </p:cTn>
+                                        <p:tgtEl>
+                                          <p:spTgt spid="6">
+                                            <p:txEl>
+                                              <p:pRg st="0" end="0"/>
+                                            </p:txEl>
+                                          </p:spTgt>
+                                        </p:tgtEl>
+                                        <p:attrNameLst>
+                                          <p:attrName>style.visibility</p:attrName>
+                                        </p:attrNameLst>
+                                      </p:cBhvr>
+                                      <p:to>
+                                        <p:strVal val="visible"/>
+                                      </p:to>
+                                    </p:set>
+                                  </p:childTnLst>
+                                </p:cTn>
+                              </p:par>
+                            </p:childTnLst>
+                          </p:cTn>
+                        </p:par>
+                      </p:childTnLst>
+                    </p:cTn>
+                  </p:par>
+                  <p:par>
+                    <p:cTn id="11" fill="hold">
+                      <p:stCondLst>
+                        <p:cond delay="indefinite"/>
+                      </p:stCondLst>
+                      <p:childTnLst>
+                        <p:par>
+                          <p:cTn id="12" fill="hold">
+                            <p:stCondLst>
+                              <p:cond delay="0"/>
+                            </p:stCondLst>
+                            <p:childTnLst>
+                              <p:par>
+                                <p:cTn id="13" presetID="1" presetClass="entr" presetSubtype="0" fill="hold" nodeType="clickEffect">
+                                  <p:stCondLst>
+                                    <p:cond delay="0"/>
+                                  </p:stCondLst>
+                                  <p:childTnLst>
+                                    <p:set>
+                                      <p:cBhvr>
+                                        <p:cTn id="14" dur="1" fill="hold">
+                                          <p:stCondLst>
+                                            <p:cond delay="0"/>
+                                          </p:stCondLst>
+                                        </p:cTn>
+                                        <p:tgtEl>
+                                          <p:spTgt spid="6">
+                                            <p:txEl>
+                                              <p:pRg st="1" end="1"/>
+                                            </p:txEl>
+                                          </p:spTgt>
+                                        </p:tgtEl>
+                                        <p:attrNameLst>
+                                          <p:attrName>style.visibility</p:attrName>
+                                        </p:attrNameLst>
+                                      </p:cBhvr>
+                                      <p:to>
+                                        <p:strVal val="visible"/>
+                                      </p:to>
+                                    </p:set>
+                                  </p:childTnLst>
+                                </p:cTn>
+                              </p:par>
+                            </p:childTnLst>
+                          </p:cTn>
+                        </p:par>
+                      </p:childTnLst>
+                    </p:cTn>
+                  </p:par>
+                  <p:par>
+                    <p:cTn id="15" fill="hold">
+                      <p:stCondLst>
+                        <p:cond delay="indefinite"/>
+                      </p:stCondLst>
+                      <p:childTnLst>
+                        <p:par>
+                          <p:cTn id="16" fill="hold">
+                            <p:stCondLst>
+                              <p:cond delay="0"/>
+                            </p:stCondLst>
+                            <p:childTnLst>
+                              <p:par>
+                                <p:cTn id="17" presetID="1" presetClass="entr" presetSubtype="0" fill="hold" nodeType="clickEffect">
+                                  <p:stCondLst>
+                                    <p:cond delay="0"/>
+                                  </p:stCondLst>
+                                  <p:childTnLst>
+                                    <p:set>
+                                      <p:cBhvr>
+                                        <p:cTn id="18" dur="1" fill="hold">
+                                          <p:stCondLst>
+                                            <p:cond delay="0"/>
+                                          </p:stCondLst>
+                                        </p:cTn>
+                                        <p:tgtEl>
+                                          <p:spTgt spid="6">
+                                            <p:txEl>
+                                              <p:pRg st="2" end="2"/>
+                                            </p:txEl>
+                                          </p:spTgt>
+                                        </p:tgtEl>
+                                        <p:attrNameLst>
+                                          <p:attrName>style.visibility</p:attrName>
+                                        </p:attrNameLst>
+                                      </p:cBhvr>
+                                      <p:to>
+                                        <p:strVal val="visible"/>
+                                      </p:to>
+                                    </p:set>
+                                  </p:childTnLst>
+                                </p:cTn>
+                              </p:par>
+                            </p:childTnLst>
+                          </p:cTn>
+                        </p:par>
+                      </p:childTnLst>
+                    </p:cTn>
+                  </p:par>
+                  <p:par>
+                    <p:cTn id="19" fill="hold">
+                      <p:stCondLst>
+                        <p:cond delay="indefinite"/>
+                      </p:stCondLst>
+                      <p:childTnLst>
+                        <p:par>
+                          <p:cTn id="20" fill="hold">
+                            <p:stCondLst>
+                              <p:cond delay="0"/>
+                            </p:stCondLst>
+                            <p:childTnLst>
+                              <p:par>
+                                <p:cTn id="21" presetID="1" presetClass="entr" presetSubtype="0" fill="hold" nodeType="clickEffect">
+                                  <p:stCondLst>
+                                    <p:cond delay="0"/>
+                                  </p:stCondLst>
+                                  <p:childTnLst>
+                                    <p:set>
+                                      <p:cBhvr>
+                                        <p:cTn id="22" dur="1" fill="hold">
+                                          <p:stCondLst>
+                                            <p:cond delay="0"/>
+                                          </p:stCondLst>
+                                        </p:cTn>
+                                        <p:tgtEl>
+                                          <p:spTgt spid="6">
+                                            <p:txEl>
+                                              <p:pRg st="3" end="3"/>
+                                            </p:txEl>
+                                          </p:spTgt>
+                                        </p:tgtEl>
+                                        <p:attrNameLst>
+                                          <p:attrName>style.visibility</p:attrName>
+                                        </p:attrNameLst>
+                                      </p:cBhvr>
+                                      <p:to>
+                                        <p:strVal val="visible"/>
+                                      </p:to>
+                                    </p:set>
+                                  </p:childTnLst>
+                                </p:cTn>
+                              </p:par>
+                            </p:childTnLst>
+                          </p:cTn>
+                        </p:par>
+                      </p:childTnLst>
+                    </p:cTn>
+                  </p:par>
+                </p:childTnLst>
+              </p:cTn>
+              <p:prevCondLst>
+                <p:cond evt="onPrev" delay="0">
+                  <p:tgtEl>
+                    <p:sldTgt/>
+                  </p:tgtEl>
+                </p:cond>
+              </p:prevCondLst>
+              <p:nextCondLst>
+                <p:cond evt="onNext" delay="0">
+                  <p:tgtEl>
+                    <p:sldTgt/>
+                  </p:tgtEl>
+                </p:cond>
+              </p:nextCondLst>
+            </p:seq>
+          </p:childTnLst>
+        </p:cTn>
+      </p:par>
+    </p:tnLst>
+  </p:timing>
+</p:sld>
+</file>
+
+<file path=ppt/slides/slide5.xml><?xml version="1.0" encoding="utf-8"?>
+<p:sld xmlns:a="http://schemas.openxmlformats.org/drawingml/2006/main" xmlns:r="http://schemas.openxmlformats.org/officeDocument/2006/relationships" xmlns:p="http://schemas.openxmlformats.org/presentationml/2006/main">
+  <p:cSld>
+    <p:spTree>
+      <p:nvGrpSpPr>
+        <p:cNvPr id="1" name=""/>
+        <p:cNvGrpSpPr/>
+        <p:nvPr/>
+      </p:nvGrpSpPr>
+      <p:grpSpPr>
+        <a:xfrm>
+          <a:off x="0" y="0"/>
+          <a:ext cx="0" cy="0"/>
+          <a:chOff x="0" y="0"/>
+          <a:chExt cx="0" cy="0"/>
+        </a:xfrm>
+      </p:grpSpPr>
+      <p:sp>
+        <p:nvSpPr>
+          <p:cNvPr id="2" name="Title 1"/>
+          <p:cNvSpPr>
+            <a:spLocks noGrp="1"/>
+          </p:cNvSpPr>
+          <p:nvPr>
+            <p:ph type="title"/>
+          </p:nvPr>
+        </p:nvSpPr>
+        <p:spPr/>
+        <p:txBody>
+          <a:bodyPr/>
+          <a:lstStyle/>
+          <a:p>
+            <a:r>
+              <a:rPr lang="en-US" dirty="0" smtClean="0"/>
+              <a:t>Additional Specifications</a:t>
+            </a:r>
+            <a:endParaRPr lang="en-US" dirty="0"/>
+          </a:p>
+        </p:txBody>
+      </p:sp>
+      <p:graphicFrame>
+        <p:nvGraphicFramePr>
+          <p:cNvPr id="4" name="Content Placeholder 3"/>
+          <p:cNvGraphicFramePr>
+            <a:graphicFrameLocks noGrp="1"/>
+          </p:cNvGraphicFramePr>
+          <p:nvPr>
+            <p:ph idx="1"/>
+            <p:extLst>
+              <p:ext uri="{D42A27DB-BD31-4B8C-83A1-F6EECF244321}">
+                <p14:modId xmlns:p14="http://schemas.microsoft.com/office/powerpoint/2010/main" val="322112859"/>
+              </p:ext>
+            </p:extLst>
+          </p:nvPr>
+        </p:nvGraphicFramePr>
+        <p:xfrm>
+          <a:off x="1261872" y="2114550"/>
+          <a:ext cx="8753666" cy="3629024"/>
+        </p:xfrm>
+        <a:graphic>
+          <a:graphicData uri="http://schemas.openxmlformats.org/drawingml/2006/table">
+            <a:tbl>
+              <a:tblPr firstRow="1" bandRow="1">
+                <a:tableStyleId>{5C22544A-7EE6-4342-B048-85BDC9FD1C3A}</a:tableStyleId>
+              </a:tblPr>
+              <a:tblGrid>
+                <a:gridCol w="1105625"/>
+                <a:gridCol w="4949075"/>
+                <a:gridCol w="2698966"/>
+              </a:tblGrid>
+              <a:tr h="226814">
+                <a:tc>
+                  <a:txBody>
+                    <a:bodyPr/>
+                    <a:lstStyle/>
+                    <a:p>
+                      <a:pPr>
+                        <a:spcAft>
+                          <a:spcPts val="0"/>
+                        </a:spcAft>
+                      </a:pPr>
+                      <a:r>
+                        <a:rPr lang="en-US" sz="1200">
+                          <a:effectLst/>
+                        </a:rPr>
+                        <a:t>Number</a:t>
+                      </a:r>
+                      <a:endParaRPr lang="en-GB" sz="1200">
+                        <a:effectLst/>
+                        <a:latin typeface="Calibri" charset="0"/>
+                        <a:ea typeface="Calibri" charset="0"/>
+                        <a:cs typeface="Times New Roman" charset="0"/>
+                      </a:endParaRPr>
+                    </a:p>
+                  </a:txBody>
+                  <a:tcPr marL="68580" marR="68580" marT="0" marB="0"/>
+                </a:tc>
+                <a:tc>
+                  <a:txBody>
+                    <a:bodyPr/>
+                    <a:lstStyle/>
+                    <a:p>
+                      <a:pPr>
+                        <a:spcAft>
+                          <a:spcPts val="0"/>
+                        </a:spcAft>
+                      </a:pPr>
+                      <a:r>
+                        <a:rPr lang="en-US" sz="1200">
+                          <a:effectLst/>
+                        </a:rPr>
+                        <a:t>Description</a:t>
+                      </a:r>
+                      <a:endParaRPr lang="en-GB" sz="1200">
+                        <a:effectLst/>
+                        <a:latin typeface="Calibri" charset="0"/>
+                        <a:ea typeface="Calibri" charset="0"/>
+                        <a:cs typeface="Times New Roman" charset="0"/>
+                      </a:endParaRPr>
+                    </a:p>
+                  </a:txBody>
+                  <a:tcPr marL="68580" marR="68580" marT="0" marB="0"/>
+                </a:tc>
+                <a:tc>
+                  <a:txBody>
+                    <a:bodyPr/>
+                    <a:lstStyle/>
+                    <a:p>
+                      <a:pPr>
+                        <a:spcAft>
+                          <a:spcPts val="0"/>
+                        </a:spcAft>
+                      </a:pPr>
+                      <a:r>
+                        <a:rPr lang="en-US" sz="1200">
+                          <a:effectLst/>
+                        </a:rPr>
+                        <a:t>Category</a:t>
+                      </a:r>
+                      <a:endParaRPr lang="en-GB" sz="1200">
+                        <a:effectLst/>
+                        <a:latin typeface="Calibri" charset="0"/>
+                        <a:ea typeface="Calibri" charset="0"/>
+                        <a:cs typeface="Times New Roman" charset="0"/>
+                      </a:endParaRPr>
+                    </a:p>
+                  </a:txBody>
+                  <a:tcPr marL="68580" marR="68580" marT="0" marB="0"/>
+                </a:tc>
+              </a:tr>
+              <a:tr h="453628">
+                <a:tc>
+                  <a:txBody>
+                    <a:bodyPr/>
+                    <a:lstStyle/>
+                    <a:p>
+                      <a:pPr>
+                        <a:spcAft>
+                          <a:spcPts val="0"/>
+                        </a:spcAft>
+                      </a:pPr>
+                      <a:r>
+                        <a:rPr lang="en-US" sz="1200">
+                          <a:effectLst/>
+                        </a:rPr>
+                        <a:t>AS1</a:t>
+                      </a:r>
+                      <a:endParaRPr lang="en-GB" sz="1200">
+                        <a:effectLst/>
+                        <a:latin typeface="Calibri" charset="0"/>
+                        <a:ea typeface="Calibri" charset="0"/>
+                        <a:cs typeface="Times New Roman" charset="0"/>
+                      </a:endParaRPr>
+                    </a:p>
+                  </a:txBody>
+                  <a:tcPr marL="68580" marR="68580" marT="0" marB="0"/>
+                </a:tc>
+                <a:tc>
+                  <a:txBody>
+                    <a:bodyPr/>
+                    <a:lstStyle/>
+                    <a:p>
+                      <a:pPr>
+                        <a:spcAft>
+                          <a:spcPts val="0"/>
+                        </a:spcAft>
+                      </a:pPr>
+                      <a:r>
+                        <a:rPr lang="en-US" sz="1200">
+                          <a:effectLst/>
+                        </a:rPr>
+                        <a:t>The game is supported on Java version 8 and above.</a:t>
+                      </a:r>
+                      <a:endParaRPr lang="en-GB" sz="1200">
+                        <a:effectLst/>
+                        <a:latin typeface="Calibri" charset="0"/>
+                        <a:ea typeface="Calibri" charset="0"/>
+                        <a:cs typeface="Times New Roman" charset="0"/>
+                      </a:endParaRPr>
+                    </a:p>
+                  </a:txBody>
+                  <a:tcPr marL="68580" marR="68580" marT="0" marB="0"/>
+                </a:tc>
+                <a:tc>
+                  <a:txBody>
+                    <a:bodyPr/>
+                    <a:lstStyle/>
+                    <a:p>
+                      <a:pPr>
+                        <a:spcAft>
+                          <a:spcPts val="0"/>
+                        </a:spcAft>
+                      </a:pPr>
+                      <a:r>
+                        <a:rPr lang="en-US" sz="1200">
+                          <a:effectLst/>
+                        </a:rPr>
+                        <a:t>Functionality</a:t>
+                      </a:r>
+                      <a:endParaRPr lang="en-GB" sz="1200">
+                        <a:effectLst/>
+                        <a:latin typeface="Calibri" charset="0"/>
+                        <a:ea typeface="Calibri" charset="0"/>
+                        <a:cs typeface="Times New Roman" charset="0"/>
+                      </a:endParaRPr>
+                    </a:p>
+                  </a:txBody>
+                  <a:tcPr marL="68580" marR="68580" marT="0" marB="0"/>
+                </a:tc>
+              </a:tr>
+              <a:tr h="453628">
+                <a:tc>
+                  <a:txBody>
+                    <a:bodyPr/>
+                    <a:lstStyle/>
+                    <a:p>
+                      <a:pPr>
+                        <a:spcAft>
+                          <a:spcPts val="0"/>
+                        </a:spcAft>
+                      </a:pPr>
+                      <a:r>
+                        <a:rPr lang="en-US" sz="1200">
+                          <a:effectLst/>
+                        </a:rPr>
+                        <a:t>AS2</a:t>
+                      </a:r>
+                      <a:endParaRPr lang="en-GB" sz="1200">
+                        <a:effectLst/>
+                        <a:latin typeface="Calibri" charset="0"/>
+                        <a:ea typeface="Calibri" charset="0"/>
+                        <a:cs typeface="Times New Roman" charset="0"/>
+                      </a:endParaRPr>
+                    </a:p>
+                  </a:txBody>
+                  <a:tcPr marL="68580" marR="68580" marT="0" marB="0"/>
+                </a:tc>
+                <a:tc>
+                  <a:txBody>
+                    <a:bodyPr/>
+                    <a:lstStyle/>
+                    <a:p>
+                      <a:pPr>
+                        <a:spcAft>
+                          <a:spcPts val="0"/>
+                        </a:spcAft>
+                      </a:pPr>
+                      <a:r>
+                        <a:rPr lang="en-US" sz="1200" dirty="0">
+                          <a:effectLst/>
+                        </a:rPr>
+                        <a:t>The game may be played with a mouse or a touch display.</a:t>
+                      </a:r>
+                      <a:endParaRPr lang="en-GB" sz="1200" dirty="0">
+                        <a:effectLst/>
+                        <a:latin typeface="Calibri" charset="0"/>
+                        <a:ea typeface="Calibri" charset="0"/>
+                        <a:cs typeface="Times New Roman" charset="0"/>
+                      </a:endParaRPr>
+                    </a:p>
+                  </a:txBody>
+                  <a:tcPr marL="68580" marR="68580" marT="0" marB="0"/>
+                </a:tc>
+                <a:tc>
+                  <a:txBody>
+                    <a:bodyPr/>
+                    <a:lstStyle/>
+                    <a:p>
+                      <a:pPr>
+                        <a:spcAft>
+                          <a:spcPts val="0"/>
+                        </a:spcAft>
+                      </a:pPr>
+                      <a:r>
+                        <a:rPr lang="en-US" sz="1200">
+                          <a:effectLst/>
+                        </a:rPr>
+                        <a:t>Functionality</a:t>
+                      </a:r>
+                      <a:endParaRPr lang="en-GB" sz="1200">
+                        <a:effectLst/>
+                        <a:latin typeface="Calibri" charset="0"/>
+                        <a:ea typeface="Calibri" charset="0"/>
+                        <a:cs typeface="Times New Roman" charset="0"/>
+                      </a:endParaRPr>
+                    </a:p>
+                  </a:txBody>
+                  <a:tcPr marL="68580" marR="68580" marT="0" marB="0"/>
+                </a:tc>
+              </a:tr>
+              <a:tr h="453628">
+                <a:tc>
+                  <a:txBody>
+                    <a:bodyPr/>
+                    <a:lstStyle/>
+                    <a:p>
+                      <a:pPr>
+                        <a:spcAft>
+                          <a:spcPts val="0"/>
+                        </a:spcAft>
+                      </a:pPr>
+                      <a:r>
+                        <a:rPr lang="en-US" sz="1200">
+                          <a:effectLst/>
+                        </a:rPr>
+                        <a:t>AS3</a:t>
+                      </a:r>
+                      <a:endParaRPr lang="en-GB" sz="1200">
+                        <a:effectLst/>
+                        <a:latin typeface="Calibri" charset="0"/>
+                        <a:ea typeface="Calibri" charset="0"/>
+                        <a:cs typeface="Times New Roman" charset="0"/>
+                      </a:endParaRPr>
+                    </a:p>
+                  </a:txBody>
+                  <a:tcPr marL="68580" marR="68580" marT="0" marB="0"/>
+                </a:tc>
+                <a:tc>
+                  <a:txBody>
+                    <a:bodyPr/>
+                    <a:lstStyle/>
+                    <a:p>
+                      <a:pPr>
+                        <a:spcAft>
+                          <a:spcPts val="0"/>
+                        </a:spcAft>
+                      </a:pPr>
+                      <a:r>
+                        <a:rPr lang="en-US" sz="1200">
+                          <a:effectLst/>
+                        </a:rPr>
+                        <a:t>The program runs on both Mac and Windows computers.</a:t>
+                      </a:r>
+                      <a:endParaRPr lang="en-GB" sz="1200">
+                        <a:effectLst/>
+                        <a:latin typeface="Calibri" charset="0"/>
+                        <a:ea typeface="Calibri" charset="0"/>
+                        <a:cs typeface="Times New Roman" charset="0"/>
+                      </a:endParaRPr>
+                    </a:p>
+                  </a:txBody>
+                  <a:tcPr marL="68580" marR="68580" marT="0" marB="0"/>
+                </a:tc>
+                <a:tc>
+                  <a:txBody>
+                    <a:bodyPr/>
+                    <a:lstStyle/>
+                    <a:p>
+                      <a:pPr>
+                        <a:spcAft>
+                          <a:spcPts val="0"/>
+                        </a:spcAft>
+                      </a:pPr>
+                      <a:r>
+                        <a:rPr lang="en-US" sz="1200">
+                          <a:effectLst/>
+                        </a:rPr>
+                        <a:t>Functionality</a:t>
+                      </a:r>
+                      <a:endParaRPr lang="en-GB" sz="1200">
+                        <a:effectLst/>
+                        <a:latin typeface="Calibri" charset="0"/>
+                        <a:ea typeface="Calibri" charset="0"/>
+                        <a:cs typeface="Times New Roman" charset="0"/>
+                      </a:endParaRPr>
+                    </a:p>
+                  </a:txBody>
+                  <a:tcPr marL="68580" marR="68580" marT="0" marB="0"/>
+                </a:tc>
+              </a:tr>
+              <a:tr h="453628">
+                <a:tc>
+                  <a:txBody>
+                    <a:bodyPr/>
+                    <a:lstStyle/>
+                    <a:p>
+                      <a:pPr>
+                        <a:spcAft>
+                          <a:spcPts val="0"/>
+                        </a:spcAft>
+                      </a:pPr>
+                      <a:r>
+                        <a:rPr lang="en-US" sz="1200">
+                          <a:effectLst/>
+                        </a:rPr>
+                        <a:t>AS4</a:t>
+                      </a:r>
+                      <a:endParaRPr lang="en-GB" sz="1200">
+                        <a:effectLst/>
+                        <a:latin typeface="Calibri" charset="0"/>
+                        <a:ea typeface="Calibri" charset="0"/>
+                        <a:cs typeface="Times New Roman" charset="0"/>
+                      </a:endParaRPr>
+                    </a:p>
+                  </a:txBody>
+                  <a:tcPr marL="68580" marR="68580" marT="0" marB="0"/>
+                </a:tc>
+                <a:tc>
+                  <a:txBody>
+                    <a:bodyPr/>
+                    <a:lstStyle/>
+                    <a:p>
+                      <a:pPr>
+                        <a:spcAft>
+                          <a:spcPts val="0"/>
+                        </a:spcAft>
+                      </a:pPr>
+                      <a:r>
+                        <a:rPr lang="en-US" sz="1200">
+                          <a:effectLst/>
+                        </a:rPr>
+                        <a:t>The application does not crash under normal circumstances.</a:t>
+                      </a:r>
+                      <a:endParaRPr lang="en-GB" sz="1200">
+                        <a:effectLst/>
+                        <a:latin typeface="Calibri" charset="0"/>
+                        <a:ea typeface="Calibri" charset="0"/>
+                        <a:cs typeface="Times New Roman" charset="0"/>
+                      </a:endParaRPr>
+                    </a:p>
+                  </a:txBody>
+                  <a:tcPr marL="68580" marR="68580" marT="0" marB="0"/>
+                </a:tc>
+                <a:tc>
+                  <a:txBody>
+                    <a:bodyPr/>
+                    <a:lstStyle/>
+                    <a:p>
+                      <a:pPr>
+                        <a:spcAft>
+                          <a:spcPts val="0"/>
+                        </a:spcAft>
+                      </a:pPr>
+                      <a:r>
+                        <a:rPr lang="en-US" sz="1200">
+                          <a:effectLst/>
+                        </a:rPr>
+                        <a:t>Reliability</a:t>
+                      </a:r>
+                      <a:endParaRPr lang="en-GB" sz="1200">
+                        <a:effectLst/>
+                        <a:latin typeface="Calibri" charset="0"/>
+                        <a:ea typeface="Calibri" charset="0"/>
+                        <a:cs typeface="Times New Roman" charset="0"/>
+                      </a:endParaRPr>
+                    </a:p>
+                  </a:txBody>
+                  <a:tcPr marL="68580" marR="68580" marT="0" marB="0"/>
+                </a:tc>
+              </a:tr>
+              <a:tr h="453628">
+                <a:tc>
+                  <a:txBody>
+                    <a:bodyPr/>
+                    <a:lstStyle/>
+                    <a:p>
+                      <a:pPr>
+                        <a:spcAft>
+                          <a:spcPts val="0"/>
+                        </a:spcAft>
+                      </a:pPr>
+                      <a:r>
+                        <a:rPr lang="en-US" sz="1200">
+                          <a:effectLst/>
+                        </a:rPr>
+                        <a:t>AS5</a:t>
+                      </a:r>
+                      <a:endParaRPr lang="en-GB" sz="1200">
+                        <a:effectLst/>
+                        <a:latin typeface="Calibri" charset="0"/>
+                        <a:ea typeface="Calibri" charset="0"/>
+                        <a:cs typeface="Times New Roman" charset="0"/>
+                      </a:endParaRPr>
+                    </a:p>
+                  </a:txBody>
+                  <a:tcPr marL="68580" marR="68580" marT="0" marB="0"/>
+                </a:tc>
+                <a:tc>
+                  <a:txBody>
+                    <a:bodyPr/>
+                    <a:lstStyle/>
+                    <a:p>
+                      <a:pPr>
+                        <a:spcAft>
+                          <a:spcPts val="0"/>
+                        </a:spcAft>
+                      </a:pPr>
+                      <a:r>
+                        <a:rPr lang="en-US" sz="1200">
+                          <a:effectLst/>
+                        </a:rPr>
+                        <a:t>Starting the game and loading a map should never take more than a few seconds.</a:t>
+                      </a:r>
+                      <a:endParaRPr lang="en-GB" sz="1200">
+                        <a:effectLst/>
+                        <a:latin typeface="Calibri" charset="0"/>
+                        <a:ea typeface="Calibri" charset="0"/>
+                        <a:cs typeface="Times New Roman" charset="0"/>
+                      </a:endParaRPr>
+                    </a:p>
+                  </a:txBody>
+                  <a:tcPr marL="68580" marR="68580" marT="0" marB="0"/>
+                </a:tc>
+                <a:tc>
+                  <a:txBody>
+                    <a:bodyPr/>
+                    <a:lstStyle/>
+                    <a:p>
+                      <a:pPr>
+                        <a:spcAft>
+                          <a:spcPts val="0"/>
+                        </a:spcAft>
+                      </a:pPr>
+                      <a:r>
+                        <a:rPr lang="en-US" sz="1200">
+                          <a:effectLst/>
+                        </a:rPr>
+                        <a:t>Performance</a:t>
+                      </a:r>
+                      <a:endParaRPr lang="en-GB" sz="1200">
+                        <a:effectLst/>
+                        <a:latin typeface="Calibri" charset="0"/>
+                        <a:ea typeface="Calibri" charset="0"/>
+                        <a:cs typeface="Times New Roman" charset="0"/>
+                      </a:endParaRPr>
+                    </a:p>
+                  </a:txBody>
+                  <a:tcPr marL="68580" marR="68580" marT="0" marB="0"/>
+                </a:tc>
+              </a:tr>
+              <a:tr h="453628">
+                <a:tc>
+                  <a:txBody>
+                    <a:bodyPr/>
+                    <a:lstStyle/>
+                    <a:p>
+                      <a:pPr>
+                        <a:spcAft>
+                          <a:spcPts val="0"/>
+                        </a:spcAft>
+                      </a:pPr>
+                      <a:r>
+                        <a:rPr lang="en-US" sz="1200">
+                          <a:effectLst/>
+                        </a:rPr>
+                        <a:t>AS6</a:t>
+                      </a:r>
+                      <a:endParaRPr lang="en-GB" sz="1200">
+                        <a:effectLst/>
+                        <a:latin typeface="Calibri" charset="0"/>
+                        <a:ea typeface="Calibri" charset="0"/>
+                        <a:cs typeface="Times New Roman" charset="0"/>
+                      </a:endParaRPr>
+                    </a:p>
+                  </a:txBody>
+                  <a:tcPr marL="68580" marR="68580" marT="0" marB="0"/>
+                </a:tc>
+                <a:tc>
+                  <a:txBody>
+                    <a:bodyPr/>
+                    <a:lstStyle/>
+                    <a:p>
+                      <a:pPr>
+                        <a:spcAft>
+                          <a:spcPts val="0"/>
+                        </a:spcAft>
+                      </a:pPr>
+                      <a:r>
+                        <a:rPr lang="en-US" sz="1200" dirty="0">
+                          <a:effectLst/>
+                        </a:rPr>
+                        <a:t>The game should remain at a constant 60 frames per second while playing.</a:t>
+                      </a:r>
+                      <a:endParaRPr lang="en-GB" sz="1200" dirty="0">
+                        <a:effectLst/>
+                        <a:latin typeface="Calibri" charset="0"/>
+                        <a:ea typeface="Calibri" charset="0"/>
+                        <a:cs typeface="Times New Roman" charset="0"/>
+                      </a:endParaRPr>
+                    </a:p>
+                  </a:txBody>
+                  <a:tcPr marL="68580" marR="68580" marT="0" marB="0"/>
+                </a:tc>
+                <a:tc>
+                  <a:txBody>
+                    <a:bodyPr/>
+                    <a:lstStyle/>
+                    <a:p>
+                      <a:pPr>
+                        <a:spcAft>
+                          <a:spcPts val="0"/>
+                        </a:spcAft>
+                      </a:pPr>
+                      <a:r>
+                        <a:rPr lang="en-US" sz="1200">
+                          <a:effectLst/>
+                        </a:rPr>
+                        <a:t>Performance</a:t>
+                      </a:r>
+                      <a:endParaRPr lang="en-GB" sz="1200">
+                        <a:effectLst/>
+                        <a:latin typeface="Calibri" charset="0"/>
+                        <a:ea typeface="Calibri" charset="0"/>
+                        <a:cs typeface="Times New Roman" charset="0"/>
+                      </a:endParaRPr>
+                    </a:p>
+                  </a:txBody>
+                  <a:tcPr marL="68580" marR="68580" marT="0" marB="0"/>
+                </a:tc>
+              </a:tr>
+              <a:tr h="680442">
+                <a:tc>
+                  <a:txBody>
+                    <a:bodyPr/>
+                    <a:lstStyle/>
+                    <a:p>
+                      <a:pPr>
+                        <a:spcAft>
+                          <a:spcPts val="0"/>
+                        </a:spcAft>
+                      </a:pPr>
+                      <a:r>
+                        <a:rPr lang="en-US" sz="1200">
+                          <a:effectLst/>
+                        </a:rPr>
+                        <a:t>AS7</a:t>
+                      </a:r>
+                      <a:endParaRPr lang="en-GB" sz="1200">
+                        <a:effectLst/>
+                        <a:latin typeface="Calibri" charset="0"/>
+                        <a:ea typeface="Calibri" charset="0"/>
+                        <a:cs typeface="Times New Roman" charset="0"/>
+                      </a:endParaRPr>
+                    </a:p>
+                  </a:txBody>
+                  <a:tcPr marL="68580" marR="68580" marT="0" marB="0"/>
+                </a:tc>
+                <a:tc>
+                  <a:txBody>
+                    <a:bodyPr/>
+                    <a:lstStyle/>
+                    <a:p>
+                      <a:pPr>
+                        <a:spcAft>
+                          <a:spcPts val="0"/>
+                        </a:spcAft>
+                      </a:pPr>
+                      <a:r>
+                        <a:rPr lang="en-US" sz="1200">
+                          <a:effectLst/>
+                        </a:rPr>
+                        <a:t>The code meets general quality standards so that it can be maintained or worked on by new developers without effort.</a:t>
+                      </a:r>
+                      <a:endParaRPr lang="en-GB" sz="1200">
+                        <a:effectLst/>
+                        <a:latin typeface="Calibri" charset="0"/>
+                        <a:ea typeface="Calibri" charset="0"/>
+                        <a:cs typeface="Times New Roman" charset="0"/>
+                      </a:endParaRPr>
+                    </a:p>
+                  </a:txBody>
+                  <a:tcPr marL="68580" marR="68580" marT="0" marB="0"/>
+                </a:tc>
+                <a:tc>
+                  <a:txBody>
+                    <a:bodyPr/>
+                    <a:lstStyle/>
+                    <a:p>
+                      <a:pPr>
+                        <a:spcAft>
+                          <a:spcPts val="0"/>
+                        </a:spcAft>
+                      </a:pPr>
+                      <a:r>
+                        <a:rPr lang="en-US" sz="1200" dirty="0">
+                          <a:effectLst/>
+                        </a:rPr>
+                        <a:t>Supportability</a:t>
+                      </a:r>
+                      <a:endParaRPr lang="en-GB" sz="1200" dirty="0">
+                        <a:effectLst/>
+                        <a:latin typeface="Calibri" charset="0"/>
+                        <a:ea typeface="Calibri" charset="0"/>
+                        <a:cs typeface="Times New Roman" charset="0"/>
+                      </a:endParaRPr>
+                    </a:p>
+                  </a:txBody>
+                  <a:tcPr marL="68580" marR="68580" marT="0" marB="0"/>
+                </a:tc>
+              </a:tr>
+            </a:tbl>
+          </a:graphicData>
+        </a:graphic>
+      </p:graphicFrame>
+    </p:spTree>
+    <p:extLst>
+      <p:ext uri="{BB962C8B-B14F-4D97-AF65-F5344CB8AC3E}">
+        <p14:creationId xmlns:p14="http://schemas.microsoft.com/office/powerpoint/2010/main" val="438136630"/>
+      </p:ext>
+    </p:extLst>
+  </p:cSld>
+  <p:clrMapOvr>
+    <a:masterClrMapping/>
+  </p:clrMapOvr>
+  <p:timing>
+    <p:tnLst>
+      <p:par>
+        <p:cTn id="1" dur="indefinite" restart="never" nodeType="tmRoot">
+          <p:childTnLst>
+            <p:seq concurrent="1" nextAc="seek">
+              <p:cTn id="2" dur="indefinite" nodeType="mainSeq">
+                <p:childTnLst>
+                  <p:par>
+                    <p:cTn id="3" fill="hold">
+                      <p:stCondLst>
+                        <p:cond delay="indefinite"/>
+                      </p:stCondLst>
+                      <p:childTnLst>
+                        <p:par>
+                          <p:cTn id="4" fill="hold">
+                            <p:stCondLst>
+                              <p:cond delay="0"/>
+                            </p:stCondLst>
+                            <p:childTnLst>
+                              <p:par>
+                                <p:cTn id="5" presetID="1" presetClass="entr" presetSubtype="0" fill="hold" nodeType="clickEffect">
+                                  <p:stCondLst>
+                                    <p:cond delay="0"/>
+                                  </p:stCondLst>
+                                  <p:childTnLst>
+                                    <p:set>
+                                      <p:cBhvr>
+                                        <p:cTn id="6" dur="1" fill="hold">
+                                          <p:stCondLst>
+                                            <p:cond delay="0"/>
+                                          </p:stCondLst>
+                                        </p:cTn>
+                                        <p:tgtEl>
+                                          <p:spTgt spid="4"/>
+                                        </p:tgtEl>
+                                        <p:attrNameLst>
+                                          <p:attrName>style.visibility</p:attrName>
+                                        </p:attrNameLst>
+                                      </p:cBhvr>
+                                      <p:to>
+                                        <p:strVal val="visible"/>
+                                      </p:to>
+                                    </p:set>
+                                  </p:childTnLst>
+                                </p:cTn>
+                              </p:par>
+                            </p:childTnLst>
+                          </p:cTn>
+                        </p:par>
+                      </p:childTnLst>
+                    </p:cTn>
+                  </p:par>
+                </p:childTnLst>
+              </p:cTn>
+              <p:prevCondLst>
+                <p:cond evt="onPrev" delay="0">
+                  <p:tgtEl>
+                    <p:sldTgt/>
+                  </p:tgtEl>
+                </p:cond>
+              </p:prevCondLst>
+              <p:nextCondLst>
+                <p:cond evt="onNext" delay="0">
+                  <p:tgtEl>
+                    <p:sldTgt/>
+                  </p:tgtEl>
+                </p:cond>
+              </p:nextCondLst>
+            </p:seq>
+          </p:childTnLst>
+        </p:cTn>
+      </p:par>
+    </p:tnLst>
+  </p:timing>
+</p:sld>
+</file>
+
+<file path=ppt/slides/slide6.xml><?xml version="1.0" encoding="utf-8"?>
+<p:sld xmlns:a="http://schemas.openxmlformats.org/drawingml/2006/main" xmlns:r="http://schemas.openxmlformats.org/officeDocument/2006/relationships" xmlns:p="http://schemas.openxmlformats.org/presentationml/2006/main">
+  <p:cSld>
+    <p:spTree>
+      <p:nvGrpSpPr>
+        <p:cNvPr id="1" name=""/>
+        <p:cNvGrpSpPr/>
+        <p:nvPr/>
+      </p:nvGrpSpPr>
+      <p:grpSpPr>
+        <a:xfrm>
+          <a:off x="0" y="0"/>
+          <a:ext cx="0" cy="0"/>
+          <a:chOff x="0" y="0"/>
+          <a:chExt cx="0" cy="0"/>
+        </a:xfrm>
+      </p:grpSpPr>
+      <p:sp>
+        <p:nvSpPr>
+          <p:cNvPr id="2" name="Title 1"/>
+          <p:cNvSpPr>
+            <a:spLocks noGrp="1"/>
+          </p:cNvSpPr>
+          <p:nvPr>
+            <p:ph type="title"/>
+          </p:nvPr>
+        </p:nvSpPr>
+        <p:spPr/>
+        <p:txBody>
+          <a:bodyPr/>
+          <a:lstStyle/>
+          <a:p>
+            <a:r>
+              <a:rPr lang="en-US" dirty="0" smtClean="0"/>
+              <a:t>Sequence Diagram</a:t>
+            </a:r>
+            <a:endParaRPr lang="en-US" dirty="0"/>
+          </a:p>
+        </p:txBody>
+      </p:sp>
+      <p:sp>
+        <p:nvSpPr>
+          <p:cNvPr id="3" name="Content Placeholder 2"/>
+          <p:cNvSpPr>
+            <a:spLocks noGrp="1"/>
+          </p:cNvSpPr>
+          <p:nvPr>
+            <p:ph idx="1"/>
+          </p:nvPr>
+        </p:nvSpPr>
+        <p:spPr/>
+        <p:txBody>
+          <a:bodyPr/>
+          <a:lstStyle/>
+          <a:p>
+            <a:pPr marL="0" marR="0" lvl="0" indent="0" defTabSz="914400" eaLnBrk="1" fontAlgn="auto" latinLnBrk="0" hangingPunct="1">
+              <a:lnSpc>
+                <a:spcPct val="100000"/>
+              </a:lnSpc>
+              <a:spcBef>
+                <a:spcPts val="0"/>
+              </a:spcBef>
+              <a:spcAft>
+                <a:spcPts val="0"/>
+              </a:spcAft>
+              <a:buClrTx/>
+              <a:buSzTx/>
+              <a:buFontTx/>
+              <a:buNone/>
+              <a:tabLst/>
+              <a:defRPr/>
+            </a:pPr>
+            <a:r>
+              <a:rPr lang="en-US" dirty="0" smtClean="0"/>
+              <a:t>UC 1: Play Game and extending use cases </a:t>
+            </a:r>
+          </a:p>
+          <a:p>
+            <a:pPr marL="0" marR="0" lvl="0" indent="0" defTabSz="914400" eaLnBrk="1" fontAlgn="auto" latinLnBrk="0" hangingPunct="1">
+              <a:lnSpc>
+                <a:spcPct val="100000"/>
+              </a:lnSpc>
+              <a:spcBef>
+                <a:spcPts val="0"/>
+              </a:spcBef>
+              <a:spcAft>
+                <a:spcPts val="0"/>
+              </a:spcAft>
+              <a:buClrTx/>
+              <a:buSzTx/>
+              <a:buFontTx/>
+              <a:buNone/>
+              <a:tabLst/>
+              <a:defRPr/>
+            </a:pPr>
+            <a:r>
+              <a:rPr lang="en-US" dirty="0"/>
+              <a:t>d</a:t>
+            </a:r>
+            <a:r>
+              <a:rPr lang="en-US" dirty="0" smtClean="0"/>
+              <a:t>escribed in a sequence diagram</a:t>
+            </a:r>
+            <a:endParaRPr lang="en-US" dirty="0"/>
+          </a:p>
+        </p:txBody>
+      </p:sp>
+      <p:pic>
+        <p:nvPicPr>
+          <p:cNvPr id="4" name="Picture 3" descr="Use%20Case%20Modell/Play%20Game%20-%20Sequence%20Diagram.PNG"/>
+          <p:cNvPicPr/>
+          <p:nvPr/>
+        </p:nvPicPr>
+        <p:blipFill>
+          <a:blip r:embed="rId2">
+            <a:extLst>
+              <a:ext uri="{28A0092B-C50C-407E-A947-70E740481C1C}">
+                <a14:useLocalDpi xmlns:a14="http://schemas.microsoft.com/office/drawing/2010/main" val="0"/>
+              </a:ext>
+            </a:extLst>
+          </a:blip>
+          <a:srcRect/>
+          <a:stretch>
+            <a:fillRect/>
+          </a:stretch>
+        </p:blipFill>
+        <p:spPr bwMode="auto">
+          <a:xfrm>
+            <a:off x="6400801" y="0"/>
+            <a:ext cx="4886324" cy="6858000"/>
+          </a:xfrm>
+          <a:prstGeom prst="rect">
+            <a:avLst/>
+          </a:prstGeom>
+          <a:noFill/>
+          <a:ln>
+            <a:noFill/>
+          </a:ln>
+        </p:spPr>
+      </p:pic>
+    </p:spTree>
+    <p:extLst>
+      <p:ext uri="{BB962C8B-B14F-4D97-AF65-F5344CB8AC3E}">
+        <p14:creationId xmlns:p14="http://schemas.microsoft.com/office/powerpoint/2010/main" val="445370023"/>
+      </p:ext>
+    </p:extLst>
+  </p:cSld>
+  <p:clrMapOvr>
+    <a:masterClrMapping/>
+  </p:clrMapOvr>
+  <p:timing>
+    <p:tnLst>
+      <p:par>
+        <p:cTn id="1" dur="indefinite" restart="never" nodeType="tmRoot">
+          <p:childTnLst>
+            <p:seq concurrent="1" nextAc="seek">
+              <p:cTn id="2" dur="indefinite" nodeType="mainSeq">
+                <p:childTnLst>
+                  <p:par>
+                    <p:cTn id="3" fill="hold">
+                      <p:stCondLst>
+                        <p:cond delay="indefinite"/>
+                      </p:stCondLst>
+                      <p:childTnLst>
+                        <p:par>
+                          <p:cTn id="4" fill="hold">
+                            <p:stCondLst>
+                              <p:cond delay="0"/>
+                            </p:stCondLst>
+                            <p:childTnLst>
+                              <p:par>
+                                <p:cTn id="5" presetID="1" presetClass="entr" presetSubtype="0" fill="hold" nodeType="clickEffect">
+                                  <p:stCondLst>
+                                    <p:cond delay="0"/>
+                                  </p:stCondLst>
+                                  <p:childTnLst>
+                                    <p:set>
+                                      <p:cBhvr>
+                                        <p:cTn id="6" dur="1" fill="hold">
+                                          <p:stCondLst>
+                                            <p:cond delay="0"/>
+                                          </p:stCondLst>
+                                        </p:cTn>
+                                        <p:tgtEl>
+                                          <p:spTgt spid="3">
+                                            <p:txEl>
+                                              <p:pRg st="0" end="0"/>
+                                            </p:txEl>
+                                          </p:spTgt>
+                                        </p:tgtEl>
+                                        <p:attrNameLst>
+                                          <p:attrName>style.visibility</p:attrName>
+                                        </p:attrNameLst>
+                                      </p:cBhvr>
+                                      <p:to>
+                                        <p:strVal val="visible"/>
+                                      </p:to>
+                                    </p:set>
+                                  </p:childTnLst>
+                                </p:cTn>
+                              </p:par>
+                              <p:par>
+                                <p:cTn id="7" presetID="1" presetClass="entr" presetSubtype="0" fill="hold" nodeType="withEffect">
+                                  <p:stCondLst>
+                                    <p:cond delay="0"/>
+                                  </p:stCondLst>
+                                  <p:childTnLst>
+                                    <p:set>
+                                      <p:cBhvr>
+                                        <p:cTn id="8" dur="1" fill="hold">
+                                          <p:stCondLst>
+                                            <p:cond delay="0"/>
+                                          </p:stCondLst>
+                                        </p:cTn>
+                                        <p:tgtEl>
+                                          <p:spTgt spid="3">
+                                            <p:txEl>
+                                              <p:pRg st="1" end="1"/>
+                                            </p:txEl>
+                                          </p:spTgt>
+                                        </p:tgtEl>
+                                        <p:attrNameLst>
+                                          <p:attrName>style.visibility</p:attrName>
+                                        </p:attrNameLst>
+                                      </p:cBhvr>
+                                      <p:to>
+                                        <p:strVal val="visible"/>
+                                      </p:to>
+                                    </p:set>
+                                  </p:childTnLst>
+                                </p:cTn>
+                              </p:par>
+                            </p:childTnLst>
+                          </p:cTn>
+                        </p:par>
+                      </p:childTnLst>
+                    </p:cTn>
+                  </p:par>
+                  <p:par>
+                    <p:cTn id="9" fill="hold">
+                      <p:stCondLst>
+                        <p:cond delay="indefinite"/>
+                      </p:stCondLst>
+                      <p:childTnLst>
+                        <p:par>
+                          <p:cTn id="10" fill="hold">
+                            <p:stCondLst>
+                              <p:cond delay="0"/>
+                            </p:stCondLst>
+                            <p:childTnLst>
+                              <p:par>
+                                <p:cTn id="11" presetID="1" presetClass="entr" presetSubtype="0" fill="hold" nodeType="clickEffect">
+                                  <p:stCondLst>
+                                    <p:cond delay="0"/>
+                                  </p:stCondLst>
+                                  <p:childTnLst>
+                                    <p:set>
+                                      <p:cBhvr>
+                                        <p:cTn id="12" dur="1" fill="hold">
+                                          <p:stCondLst>
+                                            <p:cond delay="0"/>
+                                          </p:stCondLst>
+                                        </p:cTn>
+                                        <p:tgtEl>
+                                          <p:spTgt spid="4"/>
+                                        </p:tgtEl>
+                                        <p:attrNameLst>
+                                          <p:attrName>style.visibility</p:attrName>
+                                        </p:attrNameLst>
+                                      </p:cBhvr>
+                                      <p:to>
+                                        <p:strVal val="visible"/>
+                                      </p:to>
+                                    </p:set>
+                                  </p:childTnLst>
+                                </p:cTn>
+                              </p:par>
+                            </p:childTnLst>
+                          </p:cTn>
+                        </p:par>
+                      </p:childTnLst>
+                    </p:cTn>
+                  </p:par>
+                </p:childTnLst>
+              </p:cTn>
+              <p:prevCondLst>
+                <p:cond evt="onPrev" delay="0">
+                  <p:tgtEl>
+                    <p:sldTgt/>
+                  </p:tgtEl>
+                </p:cond>
+              </p:prevCondLst>
+              <p:nextCondLst>
+                <p:cond evt="onNext" delay="0">
+                  <p:tgtEl>
+                    <p:sldTgt/>
+                  </p:tgtEl>
+                </p:cond>
+              </p:nextCondLst>
+            </p:seq>
+          </p:childTnLst>
+        </p:cTn>
+      </p:par>
+    </p:tnLst>
+  </p:timing>
+</p:sld>
+</file>
+
+<file path=ppt/slides/slide7.xml><?xml version="1.0" encoding="utf-8"?>
+<p:sld xmlns:a="http://schemas.openxmlformats.org/drawingml/2006/main" xmlns:r="http://schemas.openxmlformats.org/officeDocument/2006/relationships" xmlns:p="http://schemas.openxmlformats.org/presentationml/2006/main">
+  <p:cSld>
+    <p:spTree>
+      <p:nvGrpSpPr>
+        <p:cNvPr id="1" name=""/>
+        <p:cNvGrpSpPr/>
+        <p:nvPr/>
+      </p:nvGrpSpPr>
+      <p:grpSpPr>
+        <a:xfrm>
+          <a:off x="0" y="0"/>
+          <a:ext cx="0" cy="0"/>
+          <a:chOff x="0" y="0"/>
+          <a:chExt cx="0" cy="0"/>
+        </a:xfrm>
+      </p:grpSpPr>
       <p:pic>
         <p:nvPicPr>
           <p:cNvPr id="8" name="Grafik 7">
             <a:extLst>
               <a:ext uri="{FF2B5EF4-FFF2-40B4-BE49-F238E27FC236}">
-                <a16:creationId xmlns:a16="http://schemas.microsoft.com/office/drawing/2014/main" xmlns="" id="{FEADF4F9-87B1-447B-A6E7-8A6D9620218C}"/>
+                <a16:creationId xmlns="" xmlns:a16="http://schemas.microsoft.com/office/drawing/2014/main" id="{FEADF4F9-87B1-447B-A6E7-8A6D9620218C}"/>
               </a:ext>
             </a:extLst>
           </p:cNvPr>
@@ -4466,7 +6663,7 @@
 </p:sld>
 </file>
 
-<file path=ppt/slides/slide4.xml><?xml version="1.0" encoding="utf-8"?>
+<file path=ppt/slides/slide8.xml><?xml version="1.0" encoding="utf-8"?>
 <p:sld xmlns:a="http://schemas.openxmlformats.org/drawingml/2006/main" xmlns:r="http://schemas.openxmlformats.org/officeDocument/2006/relationships" xmlns:p="http://schemas.openxmlformats.org/presentationml/2006/main">
   <p:cSld>
     <p:spTree>
@@ -4488,7 +6685,7 @@
           <p:cNvPr id="8" name="Grafik 7">
             <a:extLst>
               <a:ext uri="{FF2B5EF4-FFF2-40B4-BE49-F238E27FC236}">
-                <a16:creationId xmlns:a16="http://schemas.microsoft.com/office/drawing/2014/main" xmlns="" id="{FEADF4F9-87B1-447B-A6E7-8A6D9620218C}"/>
+                <a16:creationId xmlns="" xmlns:a16="http://schemas.microsoft.com/office/drawing/2014/main" id="{FEADF4F9-87B1-447B-A6E7-8A6D9620218C}"/>
               </a:ext>
             </a:extLst>
           </p:cNvPr>

--- a/documents/milestone2/Project Analysis Presentation.pptx
+++ b/documents/milestone2/Project Analysis Presentation.pptx
@@ -208,7 +208,7 @@
           <a:p>
             <a:fld id="{996702D7-FFC7-4541-8679-A800B838F073}" type="datetimeFigureOut">
               <a:rPr lang="en-US" smtClean="0"/>
-              <a:t>10/23/17</a:t>
+              <a:t>10/24/17</a:t>
             </a:fld>
             <a:endParaRPr lang="en-US"/>
           </a:p>
@@ -633,7 +633,7 @@
           <a:p>
             <a:fld id="{92B3D0C1-4C55-4174-ACB6-FE14EF983A6D}" type="datetimeFigureOut">
               <a:rPr lang="de-CH" smtClean="0"/>
-              <a:t>23.10.17</a:t>
+              <a:t>24.10.17</a:t>
             </a:fld>
             <a:endParaRPr lang="de-CH"/>
           </a:p>
@@ -861,7 +861,7 @@
           <a:p>
             <a:fld id="{92B3D0C1-4C55-4174-ACB6-FE14EF983A6D}" type="datetimeFigureOut">
               <a:rPr lang="de-CH" smtClean="0"/>
-              <a:t>23.10.17</a:t>
+              <a:t>24.10.17</a:t>
             </a:fld>
             <a:endParaRPr lang="de-CH"/>
           </a:p>
@@ -1041,7 +1041,7 @@
           <a:p>
             <a:fld id="{92B3D0C1-4C55-4174-ACB6-FE14EF983A6D}" type="datetimeFigureOut">
               <a:rPr lang="de-CH" smtClean="0"/>
-              <a:t>23.10.17</a:t>
+              <a:t>24.10.17</a:t>
             </a:fld>
             <a:endParaRPr lang="de-CH"/>
           </a:p>
@@ -1211,7 +1211,7 @@
           <a:p>
             <a:fld id="{92B3D0C1-4C55-4174-ACB6-FE14EF983A6D}" type="datetimeFigureOut">
               <a:rPr lang="de-CH" smtClean="0"/>
-              <a:t>23.10.17</a:t>
+              <a:t>24.10.17</a:t>
             </a:fld>
             <a:endParaRPr lang="de-CH"/>
           </a:p>
@@ -1465,7 +1465,7 @@
           <a:p>
             <a:fld id="{92B3D0C1-4C55-4174-ACB6-FE14EF983A6D}" type="datetimeFigureOut">
               <a:rPr lang="de-CH" smtClean="0"/>
-              <a:t>23.10.17</a:t>
+              <a:t>24.10.17</a:t>
             </a:fld>
             <a:endParaRPr lang="de-CH"/>
           </a:p>
@@ -1791,7 +1791,7 @@
           <a:p>
             <a:fld id="{92B3D0C1-4C55-4174-ACB6-FE14EF983A6D}" type="datetimeFigureOut">
               <a:rPr lang="de-CH" smtClean="0"/>
-              <a:t>23.10.17</a:t>
+              <a:t>24.10.17</a:t>
             </a:fld>
             <a:endParaRPr lang="de-CH"/>
           </a:p>
@@ -2242,7 +2242,7 @@
           <a:p>
             <a:fld id="{92B3D0C1-4C55-4174-ACB6-FE14EF983A6D}" type="datetimeFigureOut">
               <a:rPr lang="de-CH" smtClean="0"/>
-              <a:t>23.10.17</a:t>
+              <a:t>24.10.17</a:t>
             </a:fld>
             <a:endParaRPr lang="de-CH"/>
           </a:p>
@@ -2360,7 +2360,7 @@
           <a:p>
             <a:fld id="{92B3D0C1-4C55-4174-ACB6-FE14EF983A6D}" type="datetimeFigureOut">
               <a:rPr lang="de-CH" smtClean="0"/>
-              <a:t>23.10.17</a:t>
+              <a:t>24.10.17</a:t>
             </a:fld>
             <a:endParaRPr lang="de-CH"/>
           </a:p>
@@ -2455,7 +2455,7 @@
           <a:p>
             <a:fld id="{92B3D0C1-4C55-4174-ACB6-FE14EF983A6D}" type="datetimeFigureOut">
               <a:rPr lang="de-CH" smtClean="0"/>
-              <a:t>23.10.17</a:t>
+              <a:t>24.10.17</a:t>
             </a:fld>
             <a:endParaRPr lang="de-CH"/>
           </a:p>
@@ -2742,7 +2742,7 @@
           <a:p>
             <a:fld id="{92B3D0C1-4C55-4174-ACB6-FE14EF983A6D}" type="datetimeFigureOut">
               <a:rPr lang="de-CH" smtClean="0"/>
-              <a:t>23.10.17</a:t>
+              <a:t>24.10.17</a:t>
             </a:fld>
             <a:endParaRPr lang="de-CH"/>
           </a:p>
@@ -3067,7 +3067,7 @@
           <a:p>
             <a:fld id="{92B3D0C1-4C55-4174-ACB6-FE14EF983A6D}" type="datetimeFigureOut">
               <a:rPr lang="de-CH" smtClean="0"/>
-              <a:t>23.10.17</a:t>
+              <a:t>24.10.17</a:t>
             </a:fld>
             <a:endParaRPr lang="de-CH"/>
           </a:p>
@@ -3321,7 +3321,7 @@
           <a:p>
             <a:fld id="{92B3D0C1-4C55-4174-ACB6-FE14EF983A6D}" type="datetimeFigureOut">
               <a:rPr lang="de-CH" smtClean="0"/>
-              <a:t>23.10.17</a:t>
+              <a:t>24.10.17</a:t>
             </a:fld>
             <a:endParaRPr lang="de-CH"/>
           </a:p>
@@ -3814,7 +3814,7 @@
           <p:cNvPr id="5" name="Grafik 4">
             <a:extLst>
               <a:ext uri="{FF2B5EF4-FFF2-40B4-BE49-F238E27FC236}">
-                <a16:creationId xmlns="" xmlns:a16="http://schemas.microsoft.com/office/drawing/2014/main" id="{3CCF4D3B-7A0F-4753-9950-8C3AFE3346D9}"/>
+                <a16:creationId xmlns:a16="http://schemas.microsoft.com/office/drawing/2014/main" xmlns="" id="{3CCF4D3B-7A0F-4753-9950-8C3AFE3346D9}"/>
               </a:ext>
             </a:extLst>
           </p:cNvPr>
@@ -4011,14 +4011,26 @@
         </p:spPr>
         <p:txBody>
           <a:bodyPr>
-            <a:normAutofit/>
+            <a:normAutofit fontScale="92500" lnSpcReduction="10000"/>
           </a:bodyPr>
           <a:lstStyle/>
           <a:p>
             <a:r>
               <a:rPr lang="en-US" dirty="0" smtClean="0"/>
-              <a:t>Current iteration #2 will end on Friday</a:t>
-            </a:r>
+              <a:t>Current iteration #2 will end on </a:t>
+            </a:r>
+            <a:r>
+              <a:rPr lang="en-US" dirty="0" smtClean="0"/>
+              <a:t>Friday</a:t>
+            </a:r>
+          </a:p>
+          <a:p>
+            <a:pPr lvl="1"/>
+            <a:r>
+              <a:rPr lang="en-US" dirty="0" smtClean="0"/>
+              <a:t>Detailed UC defined, Domain Model created and Project Analysis</a:t>
+            </a:r>
+            <a:endParaRPr lang="en-US" dirty="0" smtClean="0"/>
           </a:p>
           <a:p>
             <a:r>
@@ -4263,15 +4275,33 @@
                                   </p:childTnLst>
                                 </p:cTn>
                               </p:par>
+                            </p:childTnLst>
+                          </p:cTn>
+                        </p:par>
+                      </p:childTnLst>
+                    </p:cTn>
+                  </p:par>
+                  <p:par>
+                    <p:cTn id="19" fill="hold">
+                      <p:stCondLst>
+                        <p:cond delay="indefinite"/>
+                      </p:stCondLst>
+                      <p:childTnLst>
+                        <p:par>
+                          <p:cTn id="20" fill="hold">
+                            <p:stCondLst>
+                              <p:cond delay="0"/>
+                            </p:stCondLst>
+                            <p:childTnLst>
                               <p:par>
-                                <p:cTn id="19" presetID="1" presetClass="entr" presetSubtype="0" fill="hold" nodeType="withEffect">
+                                <p:cTn id="21" presetID="1" presetClass="entr" presetSubtype="0" fill="hold" nodeType="clickEffect">
                                   <p:stCondLst>
                                     <p:cond delay="0"/>
                                   </p:stCondLst>
                                   <p:childTnLst>
                                     <p:set>
                                       <p:cBhvr>
-                                        <p:cTn id="20" dur="1" fill="hold">
+                                        <p:cTn id="22" dur="1" fill="hold">
                                           <p:stCondLst>
                                             <p:cond delay="0"/>
                                           </p:stCondLst>
@@ -4295,14 +4325,14 @@
                                 </p:cTn>
                               </p:par>
                               <p:par>
-                                <p:cTn id="21" presetID="1" presetClass="entr" presetSubtype="0" fill="hold" nodeType="withEffect">
+                                <p:cTn id="23" presetID="1" presetClass="entr" presetSubtype="0" fill="hold" nodeType="withEffect">
                                   <p:stCondLst>
                                     <p:cond delay="0"/>
                                   </p:stCondLst>
                                   <p:childTnLst>
                                     <p:set>
                                       <p:cBhvr>
-                                        <p:cTn id="22" dur="1" fill="hold">
+                                        <p:cTn id="24" dur="1" fill="hold">
                                           <p:stCondLst>
                                             <p:cond delay="0"/>
                                           </p:stCondLst>
@@ -4311,6 +4341,37 @@
                                           <p:spTgt spid="3">
                                             <p:txEl>
                                               <p:pRg st="5" end="5"/>
+                                            </p:txEl>
+                                          </p:spTgt>
+                                        </p:tgtEl>
+                                        <p:attrNameLst>
+                                          <p:attrName>style.visibility</p:attrName>
+                                        </p:attrNameLst>
+                                      </p:cBhvr>
+                                      <p:to>
+                                        <p:strVal val="visible"/>
+                                      </p:to>
+                                    </p:set>
+                                  </p:childTnLst>
+                                </p:cTn>
+                              </p:par>
+                              <p:par>
+                                <p:cTn id="25" presetID="1" presetClass="entr" presetSubtype="0" fill="hold" nodeType="withEffect">
+                                  <p:stCondLst>
+                                    <p:cond delay="0"/>
+                                  </p:stCondLst>
+                                  <p:childTnLst>
+                                    <p:set>
+                                      <p:cBhvr>
+                                        <p:cTn id="26" dur="1" fill="hold">
+                                          <p:stCondLst>
+                                            <p:cond delay="0"/>
+                                          </p:stCondLst>
+                                        </p:cTn>
+                                        <p:tgtEl>
+                                          <p:spTgt spid="3">
+                                            <p:txEl>
+                                              <p:pRg st="6" end="6"/>
                                             </p:txEl>
                                           </p:spTgt>
                                         </p:tgtEl>
@@ -6580,7 +6641,7 @@
           <p:cNvPr id="8" name="Grafik 7">
             <a:extLst>
               <a:ext uri="{FF2B5EF4-FFF2-40B4-BE49-F238E27FC236}">
-                <a16:creationId xmlns="" xmlns:a16="http://schemas.microsoft.com/office/drawing/2014/main" id="{FEADF4F9-87B1-447B-A6E7-8A6D9620218C}"/>
+                <a16:creationId xmlns:a16="http://schemas.microsoft.com/office/drawing/2014/main" xmlns="" id="{FEADF4F9-87B1-447B-A6E7-8A6D9620218C}"/>
               </a:ext>
             </a:extLst>
           </p:cNvPr>
@@ -6685,7 +6746,7 @@
           <p:cNvPr id="8" name="Grafik 7">
             <a:extLst>
               <a:ext uri="{FF2B5EF4-FFF2-40B4-BE49-F238E27FC236}">
-                <a16:creationId xmlns="" xmlns:a16="http://schemas.microsoft.com/office/drawing/2014/main" id="{FEADF4F9-87B1-447B-A6E7-8A6D9620218C}"/>
+                <a16:creationId xmlns:a16="http://schemas.microsoft.com/office/drawing/2014/main" xmlns="" id="{FEADF4F9-87B1-447B-A6E7-8A6D9620218C}"/>
               </a:ext>
             </a:extLst>
           </p:cNvPr>

--- a/documents/milestone2/Project Analysis Presentation.pptx
+++ b/documents/milestone2/Project Analysis Presentation.pptx
@@ -3814,7 +3814,7 @@
           <p:cNvPr id="5" name="Grafik 4">
             <a:extLst>
               <a:ext uri="{FF2B5EF4-FFF2-40B4-BE49-F238E27FC236}">
-                <a16:creationId xmlns:a16="http://schemas.microsoft.com/office/drawing/2014/main" xmlns="" id="{3CCF4D3B-7A0F-4753-9950-8C3AFE3346D9}"/>
+                <a16:creationId xmlns="" xmlns:a16="http://schemas.microsoft.com/office/drawing/2014/main" id="{3CCF4D3B-7A0F-4753-9950-8C3AFE3346D9}"/>
               </a:ext>
             </a:extLst>
           </p:cNvPr>
@@ -4017,11 +4017,7 @@
           <a:p>
             <a:r>
               <a:rPr lang="en-US" dirty="0" smtClean="0"/>
-              <a:t>Current iteration #2 will end on </a:t>
-            </a:r>
-            <a:r>
-              <a:rPr lang="en-US" dirty="0" smtClean="0"/>
-              <a:t>Friday</a:t>
+              <a:t>Current iteration #2 will end on Friday</a:t>
             </a:r>
           </a:p>
           <a:p>
@@ -4030,7 +4026,6 @@
               <a:rPr lang="en-US" dirty="0" smtClean="0"/>
               <a:t>Detailed UC defined, Domain Model created and Project Analysis</a:t>
             </a:r>
-            <a:endParaRPr lang="en-US" dirty="0" smtClean="0"/>
           </a:p>
           <a:p>
             <a:r>
@@ -5167,8 +5162,8 @@
         </p:blipFill>
         <p:spPr bwMode="auto">
           <a:xfrm>
-            <a:off x="5065712" y="1028541"/>
-            <a:ext cx="5718175" cy="5324475"/>
+            <a:off x="4932009" y="0"/>
+            <a:ext cx="7365091" cy="6858000"/>
           </a:xfrm>
           <a:prstGeom prst="rect">
             <a:avLst/>
@@ -6641,7 +6636,7 @@
           <p:cNvPr id="8" name="Grafik 7">
             <a:extLst>
               <a:ext uri="{FF2B5EF4-FFF2-40B4-BE49-F238E27FC236}">
-                <a16:creationId xmlns:a16="http://schemas.microsoft.com/office/drawing/2014/main" xmlns="" id="{FEADF4F9-87B1-447B-A6E7-8A6D9620218C}"/>
+                <a16:creationId xmlns="" xmlns:a16="http://schemas.microsoft.com/office/drawing/2014/main" id="{FEADF4F9-87B1-447B-A6E7-8A6D9620218C}"/>
               </a:ext>
             </a:extLst>
           </p:cNvPr>
@@ -6746,7 +6741,7 @@
           <p:cNvPr id="8" name="Grafik 7">
             <a:extLst>
               <a:ext uri="{FF2B5EF4-FFF2-40B4-BE49-F238E27FC236}">
-                <a16:creationId xmlns:a16="http://schemas.microsoft.com/office/drawing/2014/main" xmlns="" id="{FEADF4F9-87B1-447B-A6E7-8A6D9620218C}"/>
+                <a16:creationId xmlns="" xmlns:a16="http://schemas.microsoft.com/office/drawing/2014/main" id="{FEADF4F9-87B1-447B-A6E7-8A6D9620218C}"/>
               </a:ext>
             </a:extLst>
           </p:cNvPr>

--- a/documents/milestone2/Project Analysis Presentation.pptx
+++ b/documents/milestone2/Project Analysis Presentation.pptx
@@ -3814,7 +3814,7 @@
           <p:cNvPr id="5" name="Grafik 4">
             <a:extLst>
               <a:ext uri="{FF2B5EF4-FFF2-40B4-BE49-F238E27FC236}">
-                <a16:creationId xmlns="" xmlns:a16="http://schemas.microsoft.com/office/drawing/2014/main" id="{3CCF4D3B-7A0F-4753-9950-8C3AFE3346D9}"/>
+                <a16:creationId xmlns:a16="http://schemas.microsoft.com/office/drawing/2014/main" xmlns="" id="{3CCF4D3B-7A0F-4753-9950-8C3AFE3346D9}"/>
               </a:ext>
             </a:extLst>
           </p:cNvPr>
@@ -6415,8 +6415,10 @@
       </p:sp>
       <p:pic>
         <p:nvPicPr>
-          <p:cNvPr id="4" name="Picture 3" descr="Use%20Case%20Modell/Play%20Game%20-%20Sequence%20Diagram.PNG"/>
-          <p:cNvPicPr/>
+          <p:cNvPr id="5" name="Picture 4"/>
+          <p:cNvPicPr>
+            <a:picLocks noChangeAspect="1"/>
+          </p:cNvPicPr>
           <p:nvPr/>
         </p:nvPicPr>
         <p:blipFill>
@@ -6427,23 +6429,18 @@
               </a:ext>
             </a:extLst>
           </a:blip>
-          <a:srcRect/>
           <a:stretch>
             <a:fillRect/>
           </a:stretch>
         </p:blipFill>
-        <p:spPr bwMode="auto">
+        <p:spPr>
           <a:xfrm>
-            <a:off x="6400801" y="0"/>
-            <a:ext cx="4886324" cy="6858000"/>
+            <a:off x="7201751" y="0"/>
+            <a:ext cx="4990249" cy="6858000"/>
           </a:xfrm>
           <a:prstGeom prst="rect">
             <a:avLst/>
           </a:prstGeom>
-          <a:noFill/>
-          <a:ln>
-            <a:noFill/>
-          </a:ln>
         </p:spPr>
       </p:pic>
     </p:spTree>
@@ -6544,51 +6541,6 @@
                       </p:childTnLst>
                     </p:cTn>
                   </p:par>
-                  <p:par>
-                    <p:cTn id="9" fill="hold">
-                      <p:stCondLst>
-                        <p:cond delay="indefinite"/>
-                      </p:stCondLst>
-                      <p:childTnLst>
-                        <p:par>
-                          <p:cTn id="10" fill="hold">
-                            <p:stCondLst>
-                              <p:cond delay="0"/>
-                            </p:stCondLst>
-                            <p:childTnLst>
-                              <p:par>
-                                <p:cTn id="11" presetID="1" presetClass="entr" presetSubtype="0" fill="hold" nodeType="clickEffect">
-                                  <p:stCondLst>
-                                    <p:cond delay="0"/>
-                                  </p:stCondLst>
-                                  <p:childTnLst>
-                                    <p:set>
-                                      <p:cBhvr>
-                                        <p:cTn id="12" dur="1" fill="hold">
-                                          <p:stCondLst>
-                                            <p:cond delay="0"/>
-                                          </p:stCondLst>
-                                        </p:cTn>
-                                        <p:tgtEl>
-                                          <p:spTgt spid="4"/>
-                                        </p:tgtEl>
-                                        <p:attrNameLst>
-                                          <p:attrName>style.visibility</p:attrName>
-                                        </p:attrNameLst>
-                                      </p:cBhvr>
-                                      <p:to>
-                                        <p:strVal val="visible"/>
-                                      </p:to>
-                                    </p:set>
-                                  </p:childTnLst>
-                                </p:cTn>
-                              </p:par>
-                            </p:childTnLst>
-                          </p:cTn>
-                        </p:par>
-                      </p:childTnLst>
-                    </p:cTn>
-                  </p:par>
                 </p:childTnLst>
               </p:cTn>
               <p:prevCondLst>
@@ -6636,7 +6588,7 @@
           <p:cNvPr id="8" name="Grafik 7">
             <a:extLst>
               <a:ext uri="{FF2B5EF4-FFF2-40B4-BE49-F238E27FC236}">
-                <a16:creationId xmlns="" xmlns:a16="http://schemas.microsoft.com/office/drawing/2014/main" id="{FEADF4F9-87B1-447B-A6E7-8A6D9620218C}"/>
+                <a16:creationId xmlns:a16="http://schemas.microsoft.com/office/drawing/2014/main" xmlns="" id="{FEADF4F9-87B1-447B-A6E7-8A6D9620218C}"/>
               </a:ext>
             </a:extLst>
           </p:cNvPr>
@@ -6741,7 +6693,7 @@
           <p:cNvPr id="8" name="Grafik 7">
             <a:extLst>
               <a:ext uri="{FF2B5EF4-FFF2-40B4-BE49-F238E27FC236}">
-                <a16:creationId xmlns="" xmlns:a16="http://schemas.microsoft.com/office/drawing/2014/main" id="{FEADF4F9-87B1-447B-A6E7-8A6D9620218C}"/>
+                <a16:creationId xmlns:a16="http://schemas.microsoft.com/office/drawing/2014/main" xmlns="" id="{FEADF4F9-87B1-447B-A6E7-8A6D9620218C}"/>
               </a:ext>
             </a:extLst>
           </p:cNvPr>
